--- a/Project.pptx
+++ b/Project.pptx
@@ -5,20 +5,27 @@
     <p:sldMasterId id="2147483712" r:id="rId4"/>
   </p:sldMasterIdLst>
   <p:notesMasterIdLst>
-    <p:notesMasterId r:id="rId16"/>
+    <p:notesMasterId r:id="rId23"/>
   </p:notesMasterIdLst>
   <p:sldIdLst>
     <p:sldId id="256" r:id="rId5"/>
     <p:sldId id="2146847054" r:id="rId6"/>
     <p:sldId id="262" r:id="rId7"/>
-    <p:sldId id="263" r:id="rId8"/>
-    <p:sldId id="265" r:id="rId9"/>
-    <p:sldId id="266" r:id="rId10"/>
-    <p:sldId id="267" r:id="rId11"/>
-    <p:sldId id="268" r:id="rId12"/>
-    <p:sldId id="2146847055" r:id="rId13"/>
-    <p:sldId id="269" r:id="rId14"/>
-    <p:sldId id="259" r:id="rId15"/>
+    <p:sldId id="2146847056" r:id="rId8"/>
+    <p:sldId id="2146847057" r:id="rId9"/>
+    <p:sldId id="2146847058" r:id="rId10"/>
+    <p:sldId id="265" r:id="rId11"/>
+    <p:sldId id="266" r:id="rId12"/>
+    <p:sldId id="2146847059" r:id="rId13"/>
+    <p:sldId id="2146847060" r:id="rId14"/>
+    <p:sldId id="267" r:id="rId15"/>
+    <p:sldId id="2146847061" r:id="rId16"/>
+    <p:sldId id="2146847062" r:id="rId17"/>
+    <p:sldId id="2146847063" r:id="rId18"/>
+    <p:sldId id="2146847064" r:id="rId19"/>
+    <p:sldId id="268" r:id="rId20"/>
+    <p:sldId id="269" r:id="rId21"/>
+    <p:sldId id="259" r:id="rId22"/>
   </p:sldIdLst>
   <p:sldSz cx="12192000" cy="6858000"/>
   <p:notesSz cx="6858000" cy="9144000"/>
@@ -128,15 +135,566 @@
 <file path=ppt/revisionInfo.xml><?xml version="1.0" encoding="utf-8"?>
 <p1510:revInfo xmlns:a="http://schemas.openxmlformats.org/drawingml/2006/main" xmlns:r="http://schemas.openxmlformats.org/officeDocument/2006/relationships" xmlns:p1510="http://schemas.microsoft.com/office/powerpoint/2015/10/main">
   <p1510:revLst>
-    <p1510:client id="{0A2B98E8-7AC3-75BD-DBFE-38A4BBF4F439}" v="10" dt="2024-01-05T12:23:35.348"/>
-    <p1510:client id="{12466EFC-1F62-CA2C-07B1-96111B302B1B}" v="154" dt="2023-11-22T13:37:01.483"/>
-    <p1510:client id="{47C7BCB7-7546-3717-E035-B2126C89CD1A}" v="2" dt="2023-11-22T12:55:27.328"/>
+    <p1510:client id="{F5457E1B-9401-4AB9-A77D-E1EA7F94D795}" v="41" dt="2024-03-25T08:01:13.235"/>
   </p1510:revLst>
 </p1510:revInfo>
 </file>
 
 <file path=ppt/changesInfos/changesInfo1.xml><?xml version="1.0" encoding="utf-8"?>
 <pc:chgInfo xmlns:a="http://schemas.openxmlformats.org/drawingml/2006/main" xmlns:r="http://schemas.openxmlformats.org/officeDocument/2006/relationships" xmlns:ac="http://schemas.microsoft.com/office/drawing/2013/main/command" xmlns:pc="http://schemas.microsoft.com/office/powerpoint/2013/main/command">
+  <pc:docChgLst>
+    <pc:chgData name="Dhayanithi K" userId="ce9d0c3645f70a12" providerId="LiveId" clId="{F5457E1B-9401-4AB9-A77D-E1EA7F94D795}"/>
+    <pc:docChg chg="undo custSel addSld delSld modSld sldOrd">
+      <pc:chgData name="Dhayanithi K" userId="ce9d0c3645f70a12" providerId="LiveId" clId="{F5457E1B-9401-4AB9-A77D-E1EA7F94D795}" dt="2024-03-25T08:03:09.833" v="927" actId="113"/>
+      <pc:docMkLst>
+        <pc:docMk/>
+      </pc:docMkLst>
+      <pc:sldChg chg="addSp delSp modSp mod">
+        <pc:chgData name="Dhayanithi K" userId="ce9d0c3645f70a12" providerId="LiveId" clId="{F5457E1B-9401-4AB9-A77D-E1EA7F94D795}" dt="2024-03-25T06:58:20.487" v="146" actId="1036"/>
+        <pc:sldMkLst>
+          <pc:docMk/>
+          <pc:sldMk cId="953325580" sldId="256"/>
+        </pc:sldMkLst>
+        <pc:spChg chg="mod">
+          <ac:chgData name="Dhayanithi K" userId="ce9d0c3645f70a12" providerId="LiveId" clId="{F5457E1B-9401-4AB9-A77D-E1EA7F94D795}" dt="2024-03-25T06:54:27.020" v="21" actId="20577"/>
+          <ac:spMkLst>
+            <pc:docMk/>
+            <pc:sldMk cId="953325580" sldId="256"/>
+            <ac:spMk id="2" creationId="{A8A11E26-4C38-41A6-9857-11032CEECD80}"/>
+          </ac:spMkLst>
+        </pc:spChg>
+        <pc:spChg chg="mod">
+          <ac:chgData name="Dhayanithi K" userId="ce9d0c3645f70a12" providerId="LiveId" clId="{F5457E1B-9401-4AB9-A77D-E1EA7F94D795}" dt="2024-03-25T06:58:14.504" v="144" actId="20577"/>
+          <ac:spMkLst>
+            <pc:docMk/>
+            <pc:sldMk cId="953325580" sldId="256"/>
+            <ac:spMk id="4" creationId="{00000000-0000-0000-0000-000000000000}"/>
+          </ac:spMkLst>
+        </pc:spChg>
+        <pc:spChg chg="add del mod">
+          <ac:chgData name="Dhayanithi K" userId="ce9d0c3645f70a12" providerId="LiveId" clId="{F5457E1B-9401-4AB9-A77D-E1EA7F94D795}" dt="2024-03-25T06:58:05.463" v="142" actId="21"/>
+          <ac:spMkLst>
+            <pc:docMk/>
+            <pc:sldMk cId="953325580" sldId="256"/>
+            <ac:spMk id="7" creationId="{DF25BD3C-F250-76C8-CADA-3060AA120BEB}"/>
+          </ac:spMkLst>
+        </pc:spChg>
+        <pc:picChg chg="add mod">
+          <ac:chgData name="Dhayanithi K" userId="ce9d0c3645f70a12" providerId="LiveId" clId="{F5457E1B-9401-4AB9-A77D-E1EA7F94D795}" dt="2024-03-25T06:58:20.487" v="146" actId="1036"/>
+          <ac:picMkLst>
+            <pc:docMk/>
+            <pc:sldMk cId="953325580" sldId="256"/>
+            <ac:picMk id="6" creationId="{51DA7F0C-9727-359C-0B8E-4C6067F75C3B}"/>
+          </ac:picMkLst>
+        </pc:picChg>
+      </pc:sldChg>
+      <pc:sldChg chg="addSp delSp modSp mod">
+        <pc:chgData name="Dhayanithi K" userId="ce9d0c3645f70a12" providerId="LiveId" clId="{F5457E1B-9401-4AB9-A77D-E1EA7F94D795}" dt="2024-03-25T07:02:40.002" v="180" actId="27636"/>
+        <pc:sldMkLst>
+          <pc:docMk/>
+          <pc:sldMk cId="1186421160" sldId="262"/>
+        </pc:sldMkLst>
+        <pc:spChg chg="mod">
+          <ac:chgData name="Dhayanithi K" userId="ce9d0c3645f70a12" providerId="LiveId" clId="{F5457E1B-9401-4AB9-A77D-E1EA7F94D795}" dt="2024-03-25T07:02:34.813" v="178" actId="14100"/>
+          <ac:spMkLst>
+            <pc:docMk/>
+            <pc:sldMk cId="1186421160" sldId="262"/>
+            <ac:spMk id="2" creationId="{8FEE4A9C-3F57-7DA7-91FD-715C3FB47F93}"/>
+          </ac:spMkLst>
+        </pc:spChg>
+        <pc:spChg chg="mod">
+          <ac:chgData name="Dhayanithi K" userId="ce9d0c3645f70a12" providerId="LiveId" clId="{F5457E1B-9401-4AB9-A77D-E1EA7F94D795}" dt="2024-03-25T07:02:40.002" v="180" actId="27636"/>
+          <ac:spMkLst>
+            <pc:docMk/>
+            <pc:sldMk cId="1186421160" sldId="262"/>
+            <ac:spMk id="5" creationId="{8FBA75B4-2DD5-42EB-9397-F36BFB8BA723}"/>
+          </ac:spMkLst>
+        </pc:spChg>
+        <pc:spChg chg="add del mod">
+          <ac:chgData name="Dhayanithi K" userId="ce9d0c3645f70a12" providerId="LiveId" clId="{F5457E1B-9401-4AB9-A77D-E1EA7F94D795}" dt="2024-03-25T07:00:54.218" v="162" actId="21"/>
+          <ac:spMkLst>
+            <pc:docMk/>
+            <pc:sldMk cId="1186421160" sldId="262"/>
+            <ac:spMk id="6" creationId="{EA448D1C-0471-FF13-E1EF-7C9BFBDCF80A}"/>
+          </ac:spMkLst>
+        </pc:spChg>
+        <pc:spChg chg="add del mod">
+          <ac:chgData name="Dhayanithi K" userId="ce9d0c3645f70a12" providerId="LiveId" clId="{F5457E1B-9401-4AB9-A77D-E1EA7F94D795}" dt="2024-03-25T07:01:57.697" v="170" actId="21"/>
+          <ac:spMkLst>
+            <pc:docMk/>
+            <pc:sldMk cId="1186421160" sldId="262"/>
+            <ac:spMk id="9" creationId="{09217D74-E979-84C7-7739-8BFF85DB3F3C}"/>
+          </ac:spMkLst>
+        </pc:spChg>
+        <pc:picChg chg="add mod ord">
+          <ac:chgData name="Dhayanithi K" userId="ce9d0c3645f70a12" providerId="LiveId" clId="{F5457E1B-9401-4AB9-A77D-E1EA7F94D795}" dt="2024-03-25T07:02:29.238" v="177" actId="1076"/>
+          <ac:picMkLst>
+            <pc:docMk/>
+            <pc:sldMk cId="1186421160" sldId="262"/>
+            <ac:picMk id="4" creationId="{9185D739-78C5-7987-FF4D-E464425C091F}"/>
+          </ac:picMkLst>
+        </pc:picChg>
+        <pc:picChg chg="add mod">
+          <ac:chgData name="Dhayanithi K" userId="ce9d0c3645f70a12" providerId="LiveId" clId="{F5457E1B-9401-4AB9-A77D-E1EA7F94D795}" dt="2024-03-25T07:02:15.823" v="172" actId="1076"/>
+          <ac:picMkLst>
+            <pc:docMk/>
+            <pc:sldMk cId="1186421160" sldId="262"/>
+            <ac:picMk id="8" creationId="{25910889-4F75-09A7-3A3D-22854F8BF78F}"/>
+          </ac:picMkLst>
+        </pc:picChg>
+      </pc:sldChg>
+      <pc:sldChg chg="modSp del mod">
+        <pc:chgData name="Dhayanithi K" userId="ce9d0c3645f70a12" providerId="LiveId" clId="{F5457E1B-9401-4AB9-A77D-E1EA7F94D795}" dt="2024-03-25T07:06:48.561" v="190" actId="2696"/>
+        <pc:sldMkLst>
+          <pc:docMk/>
+          <pc:sldMk cId="3210358481" sldId="263"/>
+        </pc:sldMkLst>
+        <pc:spChg chg="mod">
+          <ac:chgData name="Dhayanithi K" userId="ce9d0c3645f70a12" providerId="LiveId" clId="{F5457E1B-9401-4AB9-A77D-E1EA7F94D795}" dt="2024-03-25T07:05:49.187" v="182" actId="20577"/>
+          <ac:spMkLst>
+            <pc:docMk/>
+            <pc:sldMk cId="3210358481" sldId="263"/>
+            <ac:spMk id="2" creationId="{E041FD9D-DF07-9C37-1E61-1D920E0EF1D4}"/>
+          </ac:spMkLst>
+        </pc:spChg>
+      </pc:sldChg>
+      <pc:sldChg chg="addSp delSp modSp mod">
+        <pc:chgData name="Dhayanithi K" userId="ce9d0c3645f70a12" providerId="LiveId" clId="{F5457E1B-9401-4AB9-A77D-E1EA7F94D795}" dt="2024-03-25T07:25:47.183" v="440" actId="1076"/>
+        <pc:sldMkLst>
+          <pc:docMk/>
+          <pc:sldMk cId="3202024527" sldId="265"/>
+        </pc:sldMkLst>
+        <pc:spChg chg="mod">
+          <ac:chgData name="Dhayanithi K" userId="ce9d0c3645f70a12" providerId="LiveId" clId="{F5457E1B-9401-4AB9-A77D-E1EA7F94D795}" dt="2024-03-25T07:25:01.149" v="436" actId="14100"/>
+          <ac:spMkLst>
+            <pc:docMk/>
+            <pc:sldMk cId="3202024527" sldId="265"/>
+            <ac:spMk id="2" creationId="{C4FFAF3C-BA60-9181-132C-C36C403AAEA7}"/>
+          </ac:spMkLst>
+        </pc:spChg>
+        <pc:spChg chg="add">
+          <ac:chgData name="Dhayanithi K" userId="ce9d0c3645f70a12" providerId="LiveId" clId="{F5457E1B-9401-4AB9-A77D-E1EA7F94D795}" dt="2024-03-25T07:24:11" v="430"/>
+          <ac:spMkLst>
+            <pc:docMk/>
+            <pc:sldMk cId="3202024527" sldId="265"/>
+            <ac:spMk id="6" creationId="{9CFD3857-6F7C-339B-CAC1-8D04040DBA21}"/>
+          </ac:spMkLst>
+        </pc:spChg>
+        <pc:picChg chg="add del mod modCrop">
+          <ac:chgData name="Dhayanithi K" userId="ce9d0c3645f70a12" providerId="LiveId" clId="{F5457E1B-9401-4AB9-A77D-E1EA7F94D795}" dt="2024-03-25T07:21:00.423" v="351" actId="478"/>
+          <ac:picMkLst>
+            <pc:docMk/>
+            <pc:sldMk cId="3202024527" sldId="265"/>
+            <ac:picMk id="4" creationId="{E02974FB-739B-9656-9977-2F1D4967BFFC}"/>
+          </ac:picMkLst>
+        </pc:picChg>
+        <pc:picChg chg="add mod">
+          <ac:chgData name="Dhayanithi K" userId="ce9d0c3645f70a12" providerId="LiveId" clId="{F5457E1B-9401-4AB9-A77D-E1EA7F94D795}" dt="2024-03-25T07:25:47.183" v="440" actId="1076"/>
+          <ac:picMkLst>
+            <pc:docMk/>
+            <pc:sldMk cId="3202024527" sldId="265"/>
+            <ac:picMk id="1027" creationId="{86A9F824-1658-6002-DDD5-D7557995EBEF}"/>
+          </ac:picMkLst>
+        </pc:picChg>
+      </pc:sldChg>
+      <pc:sldChg chg="modSp mod">
+        <pc:chgData name="Dhayanithi K" userId="ce9d0c3645f70a12" providerId="LiveId" clId="{F5457E1B-9401-4AB9-A77D-E1EA7F94D795}" dt="2024-03-25T07:34:57.758" v="535" actId="20577"/>
+        <pc:sldMkLst>
+          <pc:docMk/>
+          <pc:sldMk cId="4154508776" sldId="266"/>
+        </pc:sldMkLst>
+        <pc:spChg chg="mod">
+          <ac:chgData name="Dhayanithi K" userId="ce9d0c3645f70a12" providerId="LiveId" clId="{F5457E1B-9401-4AB9-A77D-E1EA7F94D795}" dt="2024-03-25T07:34:57.758" v="535" actId="20577"/>
+          <ac:spMkLst>
+            <pc:docMk/>
+            <pc:sldMk cId="4154508776" sldId="266"/>
+            <ac:spMk id="2" creationId="{F7F0871F-2198-9E37-C96F-3611AA199B60}"/>
+          </ac:spMkLst>
+        </pc:spChg>
+      </pc:sldChg>
+      <pc:sldChg chg="addSp delSp modSp mod">
+        <pc:chgData name="Dhayanithi K" userId="ce9d0c3645f70a12" providerId="LiveId" clId="{F5457E1B-9401-4AB9-A77D-E1EA7F94D795}" dt="2024-03-25T08:01:37.866" v="921" actId="1076"/>
+        <pc:sldMkLst>
+          <pc:docMk/>
+          <pc:sldMk cId="1483293388" sldId="267"/>
+        </pc:sldMkLst>
+        <pc:spChg chg="del mod">
+          <ac:chgData name="Dhayanithi K" userId="ce9d0c3645f70a12" providerId="LiveId" clId="{F5457E1B-9401-4AB9-A77D-E1EA7F94D795}" dt="2024-03-25T07:36:35.924" v="537" actId="22"/>
+          <ac:spMkLst>
+            <pc:docMk/>
+            <pc:sldMk cId="1483293388" sldId="267"/>
+            <ac:spMk id="2" creationId="{D3304455-6802-6CA9-8475-2F6DD1B8D409}"/>
+          </ac:spMkLst>
+        </pc:spChg>
+        <pc:spChg chg="add mod">
+          <ac:chgData name="Dhayanithi K" userId="ce9d0c3645f70a12" providerId="LiveId" clId="{F5457E1B-9401-4AB9-A77D-E1EA7F94D795}" dt="2024-03-25T07:39:52.985" v="615" actId="1076"/>
+          <ac:spMkLst>
+            <pc:docMk/>
+            <pc:sldMk cId="1483293388" sldId="267"/>
+            <ac:spMk id="7" creationId="{281651EC-630E-5A92-D8C2-050D69EF8E0C}"/>
+          </ac:spMkLst>
+        </pc:spChg>
+        <pc:spChg chg="add del mod">
+          <ac:chgData name="Dhayanithi K" userId="ce9d0c3645f70a12" providerId="LiveId" clId="{F5457E1B-9401-4AB9-A77D-E1EA7F94D795}" dt="2024-03-25T08:01:00.361" v="913" actId="478"/>
+          <ac:spMkLst>
+            <pc:docMk/>
+            <pc:sldMk cId="1483293388" sldId="267"/>
+            <ac:spMk id="10" creationId="{A952E948-C7CC-DC85-FE32-87203044B5B6}"/>
+          </ac:spMkLst>
+        </pc:spChg>
+        <pc:picChg chg="add del mod ord modCrop">
+          <ac:chgData name="Dhayanithi K" userId="ce9d0c3645f70a12" providerId="LiveId" clId="{F5457E1B-9401-4AB9-A77D-E1EA7F94D795}" dt="2024-03-25T07:37:26.796" v="546" actId="478"/>
+          <ac:picMkLst>
+            <pc:docMk/>
+            <pc:sldMk cId="1483293388" sldId="267"/>
+            <ac:picMk id="4" creationId="{BDC482EF-1D24-9302-E424-2A5B43FA6FDB}"/>
+          </ac:picMkLst>
+        </pc:picChg>
+        <pc:picChg chg="add mod modCrop">
+          <ac:chgData name="Dhayanithi K" userId="ce9d0c3645f70a12" providerId="LiveId" clId="{F5457E1B-9401-4AB9-A77D-E1EA7F94D795}" dt="2024-03-25T07:38:50.017" v="573" actId="1076"/>
+          <ac:picMkLst>
+            <pc:docMk/>
+            <pc:sldMk cId="1483293388" sldId="267"/>
+            <ac:picMk id="9" creationId="{2C2D6533-DA78-C8D4-E668-C179822B2B0C}"/>
+          </ac:picMkLst>
+        </pc:picChg>
+        <pc:picChg chg="add mod modCrop">
+          <ac:chgData name="Dhayanithi K" userId="ce9d0c3645f70a12" providerId="LiveId" clId="{F5457E1B-9401-4AB9-A77D-E1EA7F94D795}" dt="2024-03-25T08:01:37.866" v="921" actId="1076"/>
+          <ac:picMkLst>
+            <pc:docMk/>
+            <pc:sldMk cId="1483293388" sldId="267"/>
+            <ac:picMk id="12" creationId="{B94BFDA2-596E-0E9B-1AF0-B3F268940530}"/>
+          </ac:picMkLst>
+        </pc:picChg>
+      </pc:sldChg>
+      <pc:sldChg chg="modSp mod">
+        <pc:chgData name="Dhayanithi K" userId="ce9d0c3645f70a12" providerId="LiveId" clId="{F5457E1B-9401-4AB9-A77D-E1EA7F94D795}" dt="2024-03-25T08:03:05.743" v="926" actId="113"/>
+        <pc:sldMkLst>
+          <pc:docMk/>
+          <pc:sldMk cId="3183315129" sldId="268"/>
+        </pc:sldMkLst>
+        <pc:spChg chg="mod">
+          <ac:chgData name="Dhayanithi K" userId="ce9d0c3645f70a12" providerId="LiveId" clId="{F5457E1B-9401-4AB9-A77D-E1EA7F94D795}" dt="2024-03-25T08:03:05.743" v="926" actId="113"/>
+          <ac:spMkLst>
+            <pc:docMk/>
+            <pc:sldMk cId="3183315129" sldId="268"/>
+            <ac:spMk id="2" creationId="{005E46AB-32C4-4B57-A2B1-50738A64BE1B}"/>
+          </ac:spMkLst>
+        </pc:spChg>
+      </pc:sldChg>
+      <pc:sldChg chg="modSp mod">
+        <pc:chgData name="Dhayanithi K" userId="ce9d0c3645f70a12" providerId="LiveId" clId="{F5457E1B-9401-4AB9-A77D-E1EA7F94D795}" dt="2024-03-25T08:03:09.833" v="927" actId="113"/>
+        <pc:sldMkLst>
+          <pc:docMk/>
+          <pc:sldMk cId="728950222" sldId="269"/>
+        </pc:sldMkLst>
+        <pc:spChg chg="mod">
+          <ac:chgData name="Dhayanithi K" userId="ce9d0c3645f70a12" providerId="LiveId" clId="{F5457E1B-9401-4AB9-A77D-E1EA7F94D795}" dt="2024-03-25T08:03:09.833" v="927" actId="113"/>
+          <ac:spMkLst>
+            <pc:docMk/>
+            <pc:sldMk cId="728950222" sldId="269"/>
+            <ac:spMk id="2" creationId="{357C38BC-22B3-37B2-E0C3-812020A76077}"/>
+          </ac:spMkLst>
+        </pc:spChg>
+      </pc:sldChg>
+      <pc:sldChg chg="modSp mod">
+        <pc:chgData name="Dhayanithi K" userId="ce9d0c3645f70a12" providerId="LiveId" clId="{F5457E1B-9401-4AB9-A77D-E1EA7F94D795}" dt="2024-03-25T08:02:01.660" v="923" actId="1076"/>
+        <pc:sldMkLst>
+          <pc:docMk/>
+          <pc:sldMk cId="2900153716" sldId="2146847054"/>
+        </pc:sldMkLst>
+        <pc:spChg chg="mod">
+          <ac:chgData name="Dhayanithi K" userId="ce9d0c3645f70a12" providerId="LiveId" clId="{F5457E1B-9401-4AB9-A77D-E1EA7F94D795}" dt="2024-03-25T08:02:01.660" v="923" actId="1076"/>
+          <ac:spMkLst>
+            <pc:docMk/>
+            <pc:sldMk cId="2900153716" sldId="2146847054"/>
+            <ac:spMk id="3" creationId="{B2678641-EEA3-4EC4-BF39-4075B0C120E8}"/>
+          </ac:spMkLst>
+        </pc:spChg>
+      </pc:sldChg>
+      <pc:sldChg chg="del">
+        <pc:chgData name="Dhayanithi K" userId="ce9d0c3645f70a12" providerId="LiveId" clId="{F5457E1B-9401-4AB9-A77D-E1EA7F94D795}" dt="2024-03-25T08:00:11.284" v="907" actId="2696"/>
+        <pc:sldMkLst>
+          <pc:docMk/>
+          <pc:sldMk cId="614882681" sldId="2146847055"/>
+        </pc:sldMkLst>
+      </pc:sldChg>
+      <pc:sldChg chg="modSp add mod">
+        <pc:chgData name="Dhayanithi K" userId="ce9d0c3645f70a12" providerId="LiveId" clId="{F5457E1B-9401-4AB9-A77D-E1EA7F94D795}" dt="2024-03-25T07:12:29.223" v="265" actId="14100"/>
+        <pc:sldMkLst>
+          <pc:docMk/>
+          <pc:sldMk cId="1380614264" sldId="2146847056"/>
+        </pc:sldMkLst>
+        <pc:spChg chg="mod">
+          <ac:chgData name="Dhayanithi K" userId="ce9d0c3645f70a12" providerId="LiveId" clId="{F5457E1B-9401-4AB9-A77D-E1EA7F94D795}" dt="2024-03-25T07:12:29.223" v="265" actId="14100"/>
+          <ac:spMkLst>
+            <pc:docMk/>
+            <pc:sldMk cId="1380614264" sldId="2146847056"/>
+            <ac:spMk id="2" creationId="{E041FD9D-DF07-9C37-1E61-1D920E0EF1D4}"/>
+          </ac:spMkLst>
+        </pc:spChg>
+      </pc:sldChg>
+      <pc:sldChg chg="new del">
+        <pc:chgData name="Dhayanithi K" userId="ce9d0c3645f70a12" providerId="LiveId" clId="{F5457E1B-9401-4AB9-A77D-E1EA7F94D795}" dt="2024-03-25T07:06:01.506" v="184" actId="680"/>
+        <pc:sldMkLst>
+          <pc:docMk/>
+          <pc:sldMk cId="2174178503" sldId="2146847056"/>
+        </pc:sldMkLst>
+      </pc:sldChg>
+      <pc:sldChg chg="modSp add mod">
+        <pc:chgData name="Dhayanithi K" userId="ce9d0c3645f70a12" providerId="LiveId" clId="{F5457E1B-9401-4AB9-A77D-E1EA7F94D795}" dt="2024-03-25T07:14:39.609" v="311" actId="20577"/>
+        <pc:sldMkLst>
+          <pc:docMk/>
+          <pc:sldMk cId="1598084727" sldId="2146847057"/>
+        </pc:sldMkLst>
+        <pc:spChg chg="mod">
+          <ac:chgData name="Dhayanithi K" userId="ce9d0c3645f70a12" providerId="LiveId" clId="{F5457E1B-9401-4AB9-A77D-E1EA7F94D795}" dt="2024-03-25T07:14:39.609" v="311" actId="20577"/>
+          <ac:spMkLst>
+            <pc:docMk/>
+            <pc:sldMk cId="1598084727" sldId="2146847057"/>
+            <ac:spMk id="2" creationId="{E041FD9D-DF07-9C37-1E61-1D920E0EF1D4}"/>
+          </ac:spMkLst>
+        </pc:spChg>
+      </pc:sldChg>
+      <pc:sldChg chg="add del">
+        <pc:chgData name="Dhayanithi K" userId="ce9d0c3645f70a12" providerId="LiveId" clId="{F5457E1B-9401-4AB9-A77D-E1EA7F94D795}" dt="2024-03-25T07:11:24.561" v="252" actId="2696"/>
+        <pc:sldMkLst>
+          <pc:docMk/>
+          <pc:sldMk cId="2721336131" sldId="2146847057"/>
+        </pc:sldMkLst>
+      </pc:sldChg>
+      <pc:sldChg chg="modSp add mod ord">
+        <pc:chgData name="Dhayanithi K" userId="ce9d0c3645f70a12" providerId="LiveId" clId="{F5457E1B-9401-4AB9-A77D-E1EA7F94D795}" dt="2024-03-25T07:21:35.435" v="365" actId="1037"/>
+        <pc:sldMkLst>
+          <pc:docMk/>
+          <pc:sldMk cId="2390935498" sldId="2146847058"/>
+        </pc:sldMkLst>
+        <pc:spChg chg="mod">
+          <ac:chgData name="Dhayanithi K" userId="ce9d0c3645f70a12" providerId="LiveId" clId="{F5457E1B-9401-4AB9-A77D-E1EA7F94D795}" dt="2024-03-25T07:20:27.011" v="345" actId="1076"/>
+          <ac:spMkLst>
+            <pc:docMk/>
+            <pc:sldMk cId="2390935498" sldId="2146847058"/>
+            <ac:spMk id="2" creationId="{C4FFAF3C-BA60-9181-132C-C36C403AAEA7}"/>
+          </ac:spMkLst>
+        </pc:spChg>
+        <pc:picChg chg="mod modCrop">
+          <ac:chgData name="Dhayanithi K" userId="ce9d0c3645f70a12" providerId="LiveId" clId="{F5457E1B-9401-4AB9-A77D-E1EA7F94D795}" dt="2024-03-25T07:21:35.435" v="365" actId="1037"/>
+          <ac:picMkLst>
+            <pc:docMk/>
+            <pc:sldMk cId="2390935498" sldId="2146847058"/>
+            <ac:picMk id="4" creationId="{E02974FB-739B-9656-9977-2F1D4967BFFC}"/>
+          </ac:picMkLst>
+        </pc:picChg>
+      </pc:sldChg>
+      <pc:sldChg chg="add del">
+        <pc:chgData name="Dhayanithi K" userId="ce9d0c3645f70a12" providerId="LiveId" clId="{F5457E1B-9401-4AB9-A77D-E1EA7F94D795}" dt="2024-03-25T07:21:04.976" v="353"/>
+        <pc:sldMkLst>
+          <pc:docMk/>
+          <pc:sldMk cId="2665389759" sldId="2146847059"/>
+        </pc:sldMkLst>
+      </pc:sldChg>
+      <pc:sldChg chg="modSp add mod">
+        <pc:chgData name="Dhayanithi K" userId="ce9d0c3645f70a12" providerId="LiveId" clId="{F5457E1B-9401-4AB9-A77D-E1EA7F94D795}" dt="2024-03-25T07:34:52.368" v="534" actId="12"/>
+        <pc:sldMkLst>
+          <pc:docMk/>
+          <pc:sldMk cId="3425437181" sldId="2146847059"/>
+        </pc:sldMkLst>
+        <pc:spChg chg="mod">
+          <ac:chgData name="Dhayanithi K" userId="ce9d0c3645f70a12" providerId="LiveId" clId="{F5457E1B-9401-4AB9-A77D-E1EA7F94D795}" dt="2024-03-25T07:34:52.368" v="534" actId="12"/>
+          <ac:spMkLst>
+            <pc:docMk/>
+            <pc:sldMk cId="3425437181" sldId="2146847059"/>
+            <ac:spMk id="2" creationId="{F7F0871F-2198-9E37-C96F-3611AA199B60}"/>
+          </ac:spMkLst>
+        </pc:spChg>
+      </pc:sldChg>
+      <pc:sldChg chg="addSp delSp modSp add mod">
+        <pc:chgData name="Dhayanithi K" userId="ce9d0c3645f70a12" providerId="LiveId" clId="{F5457E1B-9401-4AB9-A77D-E1EA7F94D795}" dt="2024-03-25T07:33:46.402" v="526" actId="21"/>
+        <pc:sldMkLst>
+          <pc:docMk/>
+          <pc:sldMk cId="1663973561" sldId="2146847060"/>
+        </pc:sldMkLst>
+        <pc:spChg chg="del mod">
+          <ac:chgData name="Dhayanithi K" userId="ce9d0c3645f70a12" providerId="LiveId" clId="{F5457E1B-9401-4AB9-A77D-E1EA7F94D795}" dt="2024-03-25T07:32:44.784" v="514" actId="21"/>
+          <ac:spMkLst>
+            <pc:docMk/>
+            <pc:sldMk cId="1663973561" sldId="2146847060"/>
+            <ac:spMk id="2" creationId="{F7F0871F-2198-9E37-C96F-3611AA199B60}"/>
+          </ac:spMkLst>
+        </pc:spChg>
+        <pc:spChg chg="add del mod">
+          <ac:chgData name="Dhayanithi K" userId="ce9d0c3645f70a12" providerId="LiveId" clId="{F5457E1B-9401-4AB9-A77D-E1EA7F94D795}" dt="2024-03-25T07:32:50.811" v="515" actId="21"/>
+          <ac:spMkLst>
+            <pc:docMk/>
+            <pc:sldMk cId="1663973561" sldId="2146847060"/>
+            <ac:spMk id="4" creationId="{F4902D6F-C891-77F6-48F5-F363279436A8}"/>
+          </ac:spMkLst>
+        </pc:spChg>
+        <pc:spChg chg="add del mod">
+          <ac:chgData name="Dhayanithi K" userId="ce9d0c3645f70a12" providerId="LiveId" clId="{F5457E1B-9401-4AB9-A77D-E1EA7F94D795}" dt="2024-03-25T07:33:46.402" v="526" actId="21"/>
+          <ac:spMkLst>
+            <pc:docMk/>
+            <pc:sldMk cId="1663973561" sldId="2146847060"/>
+            <ac:spMk id="8" creationId="{7A6027F3-EB12-7087-E386-D3E904BB595A}"/>
+          </ac:spMkLst>
+        </pc:spChg>
+        <pc:picChg chg="add del mod">
+          <ac:chgData name="Dhayanithi K" userId="ce9d0c3645f70a12" providerId="LiveId" clId="{F5457E1B-9401-4AB9-A77D-E1EA7F94D795}" dt="2024-03-25T07:33:41.720" v="525" actId="21"/>
+          <ac:picMkLst>
+            <pc:docMk/>
+            <pc:sldMk cId="1663973561" sldId="2146847060"/>
+            <ac:picMk id="7" creationId="{57FB9279-894E-3C27-678A-D3CF98670187}"/>
+          </ac:picMkLst>
+        </pc:picChg>
+      </pc:sldChg>
+      <pc:sldChg chg="add del">
+        <pc:chgData name="Dhayanithi K" userId="ce9d0c3645f70a12" providerId="LiveId" clId="{F5457E1B-9401-4AB9-A77D-E1EA7F94D795}" dt="2024-03-25T07:31:02.615" v="483"/>
+        <pc:sldMkLst>
+          <pc:docMk/>
+          <pc:sldMk cId="3203298400" sldId="2146847060"/>
+        </pc:sldMkLst>
+      </pc:sldChg>
+      <pc:sldChg chg="addSp delSp modSp add mod">
+        <pc:chgData name="Dhayanithi K" userId="ce9d0c3645f70a12" providerId="LiveId" clId="{F5457E1B-9401-4AB9-A77D-E1EA7F94D795}" dt="2024-03-25T07:51:11.941" v="787" actId="1076"/>
+        <pc:sldMkLst>
+          <pc:docMk/>
+          <pc:sldMk cId="430124107" sldId="2146847061"/>
+        </pc:sldMkLst>
+        <pc:spChg chg="mod">
+          <ac:chgData name="Dhayanithi K" userId="ce9d0c3645f70a12" providerId="LiveId" clId="{F5457E1B-9401-4AB9-A77D-E1EA7F94D795}" dt="2024-03-25T07:42:52.222" v="737" actId="20577"/>
+          <ac:spMkLst>
+            <pc:docMk/>
+            <pc:sldMk cId="430124107" sldId="2146847061"/>
+            <ac:spMk id="7" creationId="{281651EC-630E-5A92-D8C2-050D69EF8E0C}"/>
+          </ac:spMkLst>
+        </pc:spChg>
+        <pc:spChg chg="del mod">
+          <ac:chgData name="Dhayanithi K" userId="ce9d0c3645f70a12" providerId="LiveId" clId="{F5457E1B-9401-4AB9-A77D-E1EA7F94D795}" dt="2024-03-25T07:46:10.837" v="739" actId="478"/>
+          <ac:spMkLst>
+            <pc:docMk/>
+            <pc:sldMk cId="430124107" sldId="2146847061"/>
+            <ac:spMk id="10" creationId="{A952E948-C7CC-DC85-FE32-87203044B5B6}"/>
+          </ac:spMkLst>
+        </pc:spChg>
+        <pc:picChg chg="add del mod modCrop">
+          <ac:chgData name="Dhayanithi K" userId="ce9d0c3645f70a12" providerId="LiveId" clId="{F5457E1B-9401-4AB9-A77D-E1EA7F94D795}" dt="2024-03-25T07:49:52.108" v="776" actId="478"/>
+          <ac:picMkLst>
+            <pc:docMk/>
+            <pc:sldMk cId="430124107" sldId="2146847061"/>
+            <ac:picMk id="3" creationId="{FD5E4175-C21A-7234-0532-4F185B7F89D3}"/>
+          </ac:picMkLst>
+        </pc:picChg>
+        <pc:picChg chg="add mod modCrop">
+          <ac:chgData name="Dhayanithi K" userId="ce9d0c3645f70a12" providerId="LiveId" clId="{F5457E1B-9401-4AB9-A77D-E1EA7F94D795}" dt="2024-03-25T07:51:11.941" v="787" actId="1076"/>
+          <ac:picMkLst>
+            <pc:docMk/>
+            <pc:sldMk cId="430124107" sldId="2146847061"/>
+            <ac:picMk id="6" creationId="{DB9D45C1-A6CB-258F-0B5C-3A3D9AB3EC15}"/>
+          </ac:picMkLst>
+        </pc:picChg>
+        <pc:picChg chg="del">
+          <ac:chgData name="Dhayanithi K" userId="ce9d0c3645f70a12" providerId="LiveId" clId="{F5457E1B-9401-4AB9-A77D-E1EA7F94D795}" dt="2024-03-25T07:46:05.362" v="738" actId="478"/>
+          <ac:picMkLst>
+            <pc:docMk/>
+            <pc:sldMk cId="430124107" sldId="2146847061"/>
+            <ac:picMk id="9" creationId="{2C2D6533-DA78-C8D4-E668-C179822B2B0C}"/>
+          </ac:picMkLst>
+        </pc:picChg>
+      </pc:sldChg>
+      <pc:sldChg chg="modSp add mod">
+        <pc:chgData name="Dhayanithi K" userId="ce9d0c3645f70a12" providerId="LiveId" clId="{F5457E1B-9401-4AB9-A77D-E1EA7F94D795}" dt="2024-03-25T07:49:43.880" v="775" actId="20577"/>
+        <pc:sldMkLst>
+          <pc:docMk/>
+          <pc:sldMk cId="146011732" sldId="2146847062"/>
+        </pc:sldMkLst>
+        <pc:spChg chg="mod">
+          <ac:chgData name="Dhayanithi K" userId="ce9d0c3645f70a12" providerId="LiveId" clId="{F5457E1B-9401-4AB9-A77D-E1EA7F94D795}" dt="2024-03-25T07:49:43.880" v="775" actId="20577"/>
+          <ac:spMkLst>
+            <pc:docMk/>
+            <pc:sldMk cId="146011732" sldId="2146847062"/>
+            <ac:spMk id="7" creationId="{281651EC-630E-5A92-D8C2-050D69EF8E0C}"/>
+          </ac:spMkLst>
+        </pc:spChg>
+      </pc:sldChg>
+      <pc:sldChg chg="addSp delSp modSp add mod">
+        <pc:chgData name="Dhayanithi K" userId="ce9d0c3645f70a12" providerId="LiveId" clId="{F5457E1B-9401-4AB9-A77D-E1EA7F94D795}" dt="2024-03-25T07:53:54.537" v="831" actId="1076"/>
+        <pc:sldMkLst>
+          <pc:docMk/>
+          <pc:sldMk cId="3148507715" sldId="2146847063"/>
+        </pc:sldMkLst>
+        <pc:spChg chg="mod">
+          <ac:chgData name="Dhayanithi K" userId="ce9d0c3645f70a12" providerId="LiveId" clId="{F5457E1B-9401-4AB9-A77D-E1EA7F94D795}" dt="2024-03-25T07:51:41.992" v="813" actId="20577"/>
+          <ac:spMkLst>
+            <pc:docMk/>
+            <pc:sldMk cId="3148507715" sldId="2146847063"/>
+            <ac:spMk id="7" creationId="{281651EC-630E-5A92-D8C2-050D69EF8E0C}"/>
+          </ac:spMkLst>
+        </pc:spChg>
+        <pc:picChg chg="del">
+          <ac:chgData name="Dhayanithi K" userId="ce9d0c3645f70a12" providerId="LiveId" clId="{F5457E1B-9401-4AB9-A77D-E1EA7F94D795}" dt="2024-03-25T07:51:44.129" v="814" actId="478"/>
+          <ac:picMkLst>
+            <pc:docMk/>
+            <pc:sldMk cId="3148507715" sldId="2146847063"/>
+            <ac:picMk id="3" creationId="{FD5E4175-C21A-7234-0532-4F185B7F89D3}"/>
+          </ac:picMkLst>
+        </pc:picChg>
+        <pc:picChg chg="add del mod modCrop">
+          <ac:chgData name="Dhayanithi K" userId="ce9d0c3645f70a12" providerId="LiveId" clId="{F5457E1B-9401-4AB9-A77D-E1EA7F94D795}" dt="2024-03-25T07:53:51.145" v="830" actId="478"/>
+          <ac:picMkLst>
+            <pc:docMk/>
+            <pc:sldMk cId="3148507715" sldId="2146847063"/>
+            <ac:picMk id="4" creationId="{108369D0-5E38-1DEF-AFF0-00CC18894283}"/>
+          </ac:picMkLst>
+        </pc:picChg>
+        <pc:picChg chg="add mod modCrop">
+          <ac:chgData name="Dhayanithi K" userId="ce9d0c3645f70a12" providerId="LiveId" clId="{F5457E1B-9401-4AB9-A77D-E1EA7F94D795}" dt="2024-03-25T07:53:54.537" v="831" actId="1076"/>
+          <ac:picMkLst>
+            <pc:docMk/>
+            <pc:sldMk cId="3148507715" sldId="2146847063"/>
+            <ac:picMk id="8" creationId="{0F4D95AD-B5B0-220A-95B9-FE70BA7FE375}"/>
+          </ac:picMkLst>
+        </pc:picChg>
+      </pc:sldChg>
+      <pc:sldChg chg="addSp delSp modSp add mod">
+        <pc:chgData name="Dhayanithi K" userId="ce9d0c3645f70a12" providerId="LiveId" clId="{F5457E1B-9401-4AB9-A77D-E1EA7F94D795}" dt="2024-03-25T07:55:03.023" v="846" actId="1076"/>
+        <pc:sldMkLst>
+          <pc:docMk/>
+          <pc:sldMk cId="2585773573" sldId="2146847064"/>
+        </pc:sldMkLst>
+        <pc:spChg chg="mod">
+          <ac:chgData name="Dhayanithi K" userId="ce9d0c3645f70a12" providerId="LiveId" clId="{F5457E1B-9401-4AB9-A77D-E1EA7F94D795}" dt="2024-03-25T07:54:13.980" v="837" actId="20577"/>
+          <ac:spMkLst>
+            <pc:docMk/>
+            <pc:sldMk cId="2585773573" sldId="2146847064"/>
+            <ac:spMk id="7" creationId="{281651EC-630E-5A92-D8C2-050D69EF8E0C}"/>
+          </ac:spMkLst>
+        </pc:spChg>
+        <pc:picChg chg="add mod modCrop">
+          <ac:chgData name="Dhayanithi K" userId="ce9d0c3645f70a12" providerId="LiveId" clId="{F5457E1B-9401-4AB9-A77D-E1EA7F94D795}" dt="2024-03-25T07:55:03.023" v="846" actId="1076"/>
+          <ac:picMkLst>
+            <pc:docMk/>
+            <pc:sldMk cId="2585773573" sldId="2146847064"/>
+            <ac:picMk id="3" creationId="{9C77FD2C-5F83-F593-0E10-871A823886FE}"/>
+          </ac:picMkLst>
+        </pc:picChg>
+        <pc:picChg chg="del">
+          <ac:chgData name="Dhayanithi K" userId="ce9d0c3645f70a12" providerId="LiveId" clId="{F5457E1B-9401-4AB9-A77D-E1EA7F94D795}" dt="2024-03-25T07:54:16.103" v="838" actId="478"/>
+          <ac:picMkLst>
+            <pc:docMk/>
+            <pc:sldMk cId="2585773573" sldId="2146847064"/>
+            <ac:picMk id="8" creationId="{0F4D95AD-B5B0-220A-95B9-FE70BA7FE375}"/>
+          </ac:picMkLst>
+        </pc:picChg>
+      </pc:sldChg>
+      <pc:sldChg chg="add del">
+        <pc:chgData name="Dhayanithi K" userId="ce9d0c3645f70a12" providerId="LiveId" clId="{F5457E1B-9401-4AB9-A77D-E1EA7F94D795}" dt="2024-03-25T07:54:18.337" v="840"/>
+        <pc:sldMkLst>
+          <pc:docMk/>
+          <pc:sldMk cId="3612102437" sldId="2146847065"/>
+        </pc:sldMkLst>
+      </pc:sldChg>
+    </pc:docChg>
+  </pc:docChgLst>
   <pc:docChgLst>
     <pc:chgData name="Uzma Sardar" userId="S::uzma@edunetfoundation.org::890a7be9-5a0a-41fe-80e8-7700810bf9d6" providerId="AD" clId="Web-{47C7BCB7-7546-3717-E035-B2126C89CD1A}"/>
     <pc:docChg chg="modSld">
@@ -445,7 +1003,7 @@
           <a:p>
             <a:fld id="{46256A78-79A6-408F-8148-4F87BB81602D}" type="datetimeFigureOut">
               <a:rPr lang="en-IN" smtClean="0"/>
-              <a:t>05-01-2024</a:t>
+              <a:t>25-03-2024</a:t>
             </a:fld>
             <a:endParaRPr lang="en-IN"/>
           </a:p>
@@ -949,7 +1507,7 @@
           <a:p>
             <a:fld id="{ED291B17-9318-49DB-B28B-6E5994AE9581}" type="datetime1">
               <a:rPr lang="en-US" smtClean="0"/>
-              <a:t>1/5/2024</a:t>
+              <a:t>3/25/2024</a:t>
             </a:fld>
             <a:endParaRPr lang="en-US"/>
           </a:p>
@@ -1158,7 +1716,7 @@
           <a:p>
             <a:fld id="{2CED4963-E985-44C4-B8C4-FDD613B7C2F8}" type="datetime1">
               <a:rPr lang="en-US" smtClean="0"/>
-              <a:t>1/5/2024</a:t>
+              <a:t>3/25/2024</a:t>
             </a:fld>
             <a:endParaRPr lang="en-US"/>
           </a:p>
@@ -1526,7 +2084,7 @@
           <a:p>
             <a:fld id="{ED291B17-9318-49DB-B28B-6E5994AE9581}" type="datetime1">
               <a:rPr lang="en-US" smtClean="0"/>
-              <a:t>1/5/2024</a:t>
+              <a:t>3/25/2024</a:t>
             </a:fld>
             <a:endParaRPr lang="en-US"/>
           </a:p>
@@ -1730,7 +2288,7 @@
           <a:p>
             <a:fld id="{78DD82B9-B8EE-4375-B6FF-88FA6ABB15D9}" type="datetime1">
               <a:rPr lang="en-US" smtClean="0"/>
-              <a:t>1/5/2024</a:t>
+              <a:t>3/25/2024</a:t>
             </a:fld>
             <a:endParaRPr lang="en-US"/>
           </a:p>
@@ -1987,7 +2545,7 @@
           <a:p>
             <a:fld id="{B2497495-0637-405E-AE64-5CC7506D51F5}" type="datetime1">
               <a:rPr lang="en-US" smtClean="0"/>
-              <a:t>1/5/2024</a:t>
+              <a:t>3/25/2024</a:t>
             </a:fld>
             <a:endParaRPr lang="en-US"/>
           </a:p>
@@ -2245,7 +2803,7 @@
           <a:p>
             <a:fld id="{7BFFD690-9426-415D-8B65-26881E07B2D4}" type="datetime1">
               <a:rPr lang="en-US" smtClean="0"/>
-              <a:t>1/5/2024</a:t>
+              <a:t>3/25/2024</a:t>
             </a:fld>
             <a:endParaRPr lang="en-US"/>
           </a:p>
@@ -2672,7 +3230,7 @@
           <a:p>
             <a:fld id="{04C4989A-474C-40DE-95B9-011C28B71673}" type="datetime1">
               <a:rPr lang="en-US" smtClean="0"/>
-              <a:t>1/5/2024</a:t>
+              <a:t>3/25/2024</a:t>
             </a:fld>
             <a:endParaRPr lang="en-US"/>
           </a:p>
@@ -2802,7 +3360,7 @@
           <a:p>
             <a:fld id="{5DB4ED54-5B5E-4A04-93D3-5772E3CE3818}" type="datetime1">
               <a:rPr lang="en-US" smtClean="0"/>
-              <a:t>1/5/2024</a:t>
+              <a:t>3/25/2024</a:t>
             </a:fld>
             <a:endParaRPr lang="en-US"/>
           </a:p>
@@ -2905,7 +3463,7 @@
           <a:p>
             <a:fld id="{4EDE50D6-574B-40AF-946F-D52A04ADE379}" type="datetime1">
               <a:rPr lang="en-US" smtClean="0"/>
-              <a:t>1/5/2024</a:t>
+              <a:t>3/25/2024</a:t>
             </a:fld>
             <a:endParaRPr lang="en-US"/>
           </a:p>
@@ -3288,7 +3846,7 @@
           <a:p>
             <a:fld id="{D82884F1-FFEA-405F-9602-3DCA865EDA4E}" type="datetime1">
               <a:rPr lang="en-US" smtClean="0"/>
-              <a:t>1/5/2024</a:t>
+              <a:t>3/25/2024</a:t>
             </a:fld>
             <a:endParaRPr lang="en-US"/>
           </a:p>
@@ -3582,7 +4140,7 @@
           <a:p>
             <a:fld id="{7E18DB4A-8810-4A10-AD5C-D5E2C667F5B3}" type="datetime1">
               <a:rPr lang="en-US" smtClean="0"/>
-              <a:t>1/5/2024</a:t>
+              <a:t>3/25/2024</a:t>
             </a:fld>
             <a:endParaRPr lang="en-US"/>
           </a:p>
@@ -3803,7 +4361,7 @@
           <a:p>
             <a:fld id="{ED291B17-9318-49DB-B28B-6E5994AE9581}" type="datetime1">
               <a:rPr lang="en-US" smtClean="0"/>
-              <a:t>1/5/2024</a:t>
+              <a:t>3/25/2024</a:t>
             </a:fld>
             <a:endParaRPr lang="en-US"/>
           </a:p>
@@ -4450,20 +5008,29 @@
           </a:xfrm>
         </p:spPr>
         <p:txBody>
-          <a:bodyPr/>
+          <a:bodyPr>
+            <a:normAutofit/>
+          </a:bodyPr>
           <a:lstStyle/>
           <a:p>
             <a:pPr algn="ctr"/>
             <a:r>
-              <a:rPr lang="en-US" b="1">
+              <a:rPr lang="en-IN" b="1" dirty="0">
                 <a:solidFill>
                   <a:schemeClr val="accent1"/>
                 </a:solidFill>
                 <a:latin typeface="Arial" panose="020B0604020202020204" pitchFamily="34" charset="0"/>
                 <a:cs typeface="Arial" panose="020B0604020202020204" pitchFamily="34" charset="0"/>
               </a:rPr>
-              <a:t>PROJECT TITLE</a:t>
-            </a:r>
+              <a:t>steganography application</a:t>
+            </a:r>
+            <a:endParaRPr lang="en-US" b="1" dirty="0">
+              <a:solidFill>
+                <a:schemeClr val="accent1"/>
+              </a:solidFill>
+              <a:latin typeface="Arial" panose="020B0604020202020204" pitchFamily="34" charset="0"/>
+              <a:cs typeface="Arial" panose="020B0604020202020204" pitchFamily="34" charset="0"/>
+            </a:endParaRPr>
           </a:p>
         </p:txBody>
       </p:sp>
@@ -4491,7 +5058,7 @@
           <a:p>
             <a:pPr algn="ctr"/>
             <a:r>
-              <a:rPr lang="en-US" sz="3200" b="1">
+              <a:rPr lang="en-US" sz="3200" b="1" dirty="0">
                 <a:solidFill>
                   <a:schemeClr val="accent1">
                     <a:lumMod val="75000"/>
@@ -4513,8 +5080,8 @@
         </p:nvSpPr>
         <p:spPr>
           <a:xfrm>
-            <a:off x="3117529" y="4586365"/>
-            <a:ext cx="7980183" cy="707886"/>
+            <a:off x="6385757" y="4216858"/>
+            <a:ext cx="4739444" cy="1384995"/>
           </a:xfrm>
           <a:prstGeom prst="rect">
             <a:avLst/>
@@ -4528,7 +5095,7 @@
           <a:lstStyle/>
           <a:p>
             <a:r>
-              <a:rPr lang="en-US" sz="2000" b="1">
+              <a:rPr lang="en-US" sz="2400" b="1" dirty="0">
                 <a:solidFill>
                   <a:schemeClr val="accent1">
                     <a:lumMod val="75000"/>
@@ -4539,10 +5106,19 @@
               </a:rPr>
               <a:t>Presented By:</a:t>
             </a:r>
-          </a:p>
-          <a:p>
-            <a:r>
-              <a:rPr lang="en-US" sz="2000" b="1">
+            <a:endParaRPr lang="en-US" sz="2000" b="1" dirty="0">
+              <a:solidFill>
+                <a:schemeClr val="accent1">
+                  <a:lumMod val="75000"/>
+                </a:schemeClr>
+              </a:solidFill>
+              <a:latin typeface="Arial" pitchFamily="34" charset="0"/>
+              <a:cs typeface="Arial" pitchFamily="34" charset="0"/>
+            </a:endParaRPr>
+          </a:p>
+          <a:p>
+            <a:r>
+              <a:rPr lang="en-US" sz="2000" b="1" dirty="0">
                 <a:solidFill>
                   <a:schemeClr val="accent1">
                     <a:lumMod val="75000"/>
@@ -4551,11 +5127,71 @@
                 <a:latin typeface="Arial"/>
                 <a:cs typeface="Arial"/>
               </a:rPr>
-              <a:t>1. Student Name-College Name-Department</a:t>
-            </a:r>
-          </a:p>
-        </p:txBody>
-      </p:sp>
+              <a:t>1. Dhayanithi K - </a:t>
+            </a:r>
+            <a:r>
+              <a:rPr lang="en-US" sz="2000" b="1" dirty="0" err="1">
+                <a:solidFill>
+                  <a:schemeClr val="accent1">
+                    <a:lumMod val="75000"/>
+                  </a:schemeClr>
+                </a:solidFill>
+                <a:latin typeface="Arial"/>
+                <a:cs typeface="Arial"/>
+              </a:rPr>
+              <a:t>Madha</a:t>
+            </a:r>
+            <a:r>
+              <a:rPr lang="en-US" sz="2000" b="1" dirty="0">
+                <a:solidFill>
+                  <a:schemeClr val="accent1">
+                    <a:lumMod val="75000"/>
+                  </a:schemeClr>
+                </a:solidFill>
+                <a:latin typeface="Arial"/>
+                <a:cs typeface="Arial"/>
+              </a:rPr>
+              <a:t> Engineering College – B.E Computer Science and Engineering</a:t>
+            </a:r>
+          </a:p>
+        </p:txBody>
+      </p:sp>
+      <p:pic>
+        <p:nvPicPr>
+          <p:cNvPr id="6" name="Picture 5">
+            <a:extLst>
+              <a:ext uri="{FF2B5EF4-FFF2-40B4-BE49-F238E27FC236}">
+                <a16:creationId xmlns:a16="http://schemas.microsoft.com/office/drawing/2014/main" id="{51DA7F0C-9727-359C-0B8E-4C6067F75C3B}"/>
+              </a:ext>
+            </a:extLst>
+          </p:cNvPr>
+          <p:cNvPicPr>
+            <a:picLocks noChangeAspect="1"/>
+          </p:cNvPicPr>
+          <p:nvPr/>
+        </p:nvPicPr>
+        <p:blipFill>
+          <a:blip r:embed="rId2">
+            <a:extLst>
+              <a:ext uri="{837473B0-CC2E-450A-ABE3-18F120FF3D39}">
+                <a1611:picAttrSrcUrl xmlns:a1611="http://schemas.microsoft.com/office/drawing/2016/11/main" r:id="rId3"/>
+              </a:ext>
+            </a:extLst>
+          </a:blip>
+          <a:stretch>
+            <a:fillRect/>
+          </a:stretch>
+        </p:blipFill>
+        <p:spPr>
+          <a:xfrm>
+            <a:off x="639371" y="3450266"/>
+            <a:ext cx="5531057" cy="2592683"/>
+          </a:xfrm>
+          <a:prstGeom prst="rect">
+            <a:avLst/>
+          </a:prstGeom>
+        </p:spPr>
+      </p:pic>
     </p:spTree>
     <p:extLst>
       <p:ext uri="{BB962C8B-B14F-4D97-AF65-F5344CB8AC3E}">
@@ -4610,6 +5246,1094 @@
           <a:lstStyle/>
           <a:p>
             <a:r>
+              <a:rPr lang="en-US" sz="4400" b="1" dirty="0">
+                <a:solidFill>
+                  <a:schemeClr val="accent1"/>
+                </a:solidFill>
+                <a:latin typeface="Arial"/>
+                <a:ea typeface="+mj-lt"/>
+                <a:cs typeface="Arial"/>
+              </a:rPr>
+              <a:t>Algorithm &amp; Deployment</a:t>
+            </a:r>
+            <a:endParaRPr lang="en-US" dirty="0"/>
+          </a:p>
+        </p:txBody>
+      </p:sp>
+      <p:pic>
+        <p:nvPicPr>
+          <p:cNvPr id="7" name="Picture 6">
+            <a:extLst>
+              <a:ext uri="{FF2B5EF4-FFF2-40B4-BE49-F238E27FC236}">
+                <a16:creationId xmlns:a16="http://schemas.microsoft.com/office/drawing/2014/main" id="{57FB9279-894E-3C27-678A-D3CF98670187}"/>
+              </a:ext>
+            </a:extLst>
+          </p:cNvPr>
+          <p:cNvPicPr>
+            <a:picLocks noChangeAspect="1"/>
+          </p:cNvPicPr>
+          <p:nvPr/>
+        </p:nvPicPr>
+        <p:blipFill>
+          <a:blip r:embed="rId2">
+            <a:extLst>
+              <a:ext uri="{837473B0-CC2E-450A-ABE3-18F120FF3D39}">
+                <a1611:picAttrSrcUrl xmlns:a1611="http://schemas.microsoft.com/office/drawing/2016/11/main" r:id="rId3"/>
+              </a:ext>
+            </a:extLst>
+          </a:blip>
+          <a:stretch>
+            <a:fillRect/>
+          </a:stretch>
+        </p:blipFill>
+        <p:spPr>
+          <a:xfrm>
+            <a:off x="1741453" y="1355119"/>
+            <a:ext cx="7997971" cy="4921175"/>
+          </a:xfrm>
+          <a:prstGeom prst="rect">
+            <a:avLst/>
+          </a:prstGeom>
+        </p:spPr>
+      </p:pic>
+    </p:spTree>
+    <p:extLst>
+      <p:ext uri="{BB962C8B-B14F-4D97-AF65-F5344CB8AC3E}">
+        <p14:creationId xmlns:p14="http://schemas.microsoft.com/office/powerpoint/2010/main" val="1663973561"/>
+      </p:ext>
+    </p:extLst>
+  </p:cSld>
+  <p:clrMapOvr>
+    <a:masterClrMapping/>
+  </p:clrMapOvr>
+</p:sld>
+</file>
+
+<file path=ppt/slides/slide11.xml><?xml version="1.0" encoding="utf-8"?>
+<p:sld xmlns:a="http://schemas.openxmlformats.org/drawingml/2006/main" xmlns:r="http://schemas.openxmlformats.org/officeDocument/2006/relationships" xmlns:p="http://schemas.openxmlformats.org/presentationml/2006/main">
+  <p:cSld>
+    <p:spTree>
+      <p:nvGrpSpPr>
+        <p:cNvPr id="1" name=""/>
+        <p:cNvGrpSpPr/>
+        <p:nvPr/>
+      </p:nvGrpSpPr>
+      <p:grpSpPr>
+        <a:xfrm>
+          <a:off x="0" y="0"/>
+          <a:ext cx="0" cy="0"/>
+          <a:chOff x="0" y="0"/>
+          <a:chExt cx="0" cy="0"/>
+        </a:xfrm>
+      </p:grpSpPr>
+      <p:sp>
+        <p:nvSpPr>
+          <p:cNvPr id="5" name="Title 4">
+            <a:extLst>
+              <a:ext uri="{FF2B5EF4-FFF2-40B4-BE49-F238E27FC236}">
+                <a16:creationId xmlns:a16="http://schemas.microsoft.com/office/drawing/2014/main" id="{8FBA75B4-2DD5-42EB-9397-F36BFB8BA723}"/>
+              </a:ext>
+            </a:extLst>
+          </p:cNvPr>
+          <p:cNvSpPr>
+            <a:spLocks noGrp="1"/>
+          </p:cNvSpPr>
+          <p:nvPr>
+            <p:ph type="title"/>
+          </p:nvPr>
+        </p:nvSpPr>
+        <p:spPr/>
+        <p:txBody>
+          <a:bodyPr>
+            <a:normAutofit fontScale="90000"/>
+          </a:bodyPr>
+          <a:lstStyle/>
+          <a:p>
+            <a:r>
+              <a:rPr lang="en-US" sz="4400" b="1">
+                <a:solidFill>
+                  <a:schemeClr val="accent1"/>
+                </a:solidFill>
+                <a:latin typeface="Arial"/>
+                <a:ea typeface="+mj-lt"/>
+                <a:cs typeface="Arial"/>
+              </a:rPr>
+              <a:t>Result</a:t>
+            </a:r>
+            <a:endParaRPr lang="en-US"/>
+          </a:p>
+        </p:txBody>
+      </p:sp>
+      <p:sp>
+        <p:nvSpPr>
+          <p:cNvPr id="7" name="Content Placeholder 6">
+            <a:extLst>
+              <a:ext uri="{FF2B5EF4-FFF2-40B4-BE49-F238E27FC236}">
+                <a16:creationId xmlns:a16="http://schemas.microsoft.com/office/drawing/2014/main" id="{281651EC-630E-5A92-D8C2-050D69EF8E0C}"/>
+              </a:ext>
+            </a:extLst>
+          </p:cNvPr>
+          <p:cNvSpPr>
+            <a:spLocks noGrp="1"/>
+          </p:cNvSpPr>
+          <p:nvPr>
+            <p:ph idx="1"/>
+          </p:nvPr>
+        </p:nvSpPr>
+        <p:spPr>
+          <a:xfrm>
+            <a:off x="581193" y="-128109"/>
+            <a:ext cx="11029615" cy="4673324"/>
+          </a:xfrm>
+        </p:spPr>
+        <p:txBody>
+          <a:bodyPr>
+            <a:normAutofit/>
+          </a:bodyPr>
+          <a:lstStyle/>
+          <a:p>
+            <a:r>
+              <a:rPr lang="en-IN" sz="2000" b="1" dirty="0">
+                <a:latin typeface="system-ui"/>
+              </a:rPr>
+              <a:t>Encoding:</a:t>
+            </a:r>
+          </a:p>
+          <a:p>
+            <a:pPr marL="0" indent="0">
+              <a:buNone/>
+            </a:pPr>
+            <a:r>
+              <a:rPr lang="en-IN" sz="2000" b="1" dirty="0">
+                <a:latin typeface="system-ui"/>
+              </a:rPr>
+              <a:t>	Step1 : Enter the secret message </a:t>
+            </a:r>
+          </a:p>
+          <a:p>
+            <a:endParaRPr lang="en-IN" sz="2000" b="1" dirty="0">
+              <a:latin typeface="system-ui"/>
+            </a:endParaRPr>
+          </a:p>
+        </p:txBody>
+      </p:sp>
+      <p:pic>
+        <p:nvPicPr>
+          <p:cNvPr id="9" name="Picture 8">
+            <a:extLst>
+              <a:ext uri="{FF2B5EF4-FFF2-40B4-BE49-F238E27FC236}">
+                <a16:creationId xmlns:a16="http://schemas.microsoft.com/office/drawing/2014/main" id="{2C2D6533-DA78-C8D4-E668-C179822B2B0C}"/>
+              </a:ext>
+            </a:extLst>
+          </p:cNvPr>
+          <p:cNvPicPr>
+            <a:picLocks noChangeAspect="1"/>
+          </p:cNvPicPr>
+          <p:nvPr/>
+        </p:nvPicPr>
+        <p:blipFill rotWithShape="1">
+          <a:blip r:embed="rId2"/>
+          <a:srcRect l="3339" t="5822" r="2711" b="5693"/>
+          <a:stretch/>
+        </p:blipFill>
+        <p:spPr>
+          <a:xfrm>
+            <a:off x="3437860" y="2708800"/>
+            <a:ext cx="5316279" cy="2806996"/>
+          </a:xfrm>
+          <a:prstGeom prst="rect">
+            <a:avLst/>
+          </a:prstGeom>
+          <a:solidFill>
+            <a:srgbClr val="FFFFFF">
+              <a:shade val="85000"/>
+            </a:srgbClr>
+          </a:solidFill>
+          <a:ln w="88900" cap="sq">
+            <a:solidFill>
+              <a:srgbClr val="FFFFFF"/>
+            </a:solidFill>
+            <a:miter lim="800000"/>
+          </a:ln>
+          <a:effectLst>
+            <a:outerShdw blurRad="55000" dist="18000" dir="5400000" algn="tl" rotWithShape="0">
+              <a:srgbClr val="000000">
+                <a:alpha val="40000"/>
+              </a:srgbClr>
+            </a:outerShdw>
+          </a:effectLst>
+          <a:scene3d>
+            <a:camera prst="orthographicFront"/>
+            <a:lightRig rig="twoPt" dir="t">
+              <a:rot lat="0" lon="0" rev="7200000"/>
+            </a:lightRig>
+          </a:scene3d>
+          <a:sp3d>
+            <a:bevelT w="25400" h="19050"/>
+            <a:contourClr>
+              <a:srgbClr val="FFFFFF"/>
+            </a:contourClr>
+          </a:sp3d>
+        </p:spPr>
+      </p:pic>
+      <p:pic>
+        <p:nvPicPr>
+          <p:cNvPr id="12" name="Picture 11">
+            <a:extLst>
+              <a:ext uri="{FF2B5EF4-FFF2-40B4-BE49-F238E27FC236}">
+                <a16:creationId xmlns:a16="http://schemas.microsoft.com/office/drawing/2014/main" id="{B94BFDA2-596E-0E9B-1AF0-B3F268940530}"/>
+              </a:ext>
+            </a:extLst>
+          </p:cNvPr>
+          <p:cNvPicPr>
+            <a:picLocks noChangeAspect="1"/>
+          </p:cNvPicPr>
+          <p:nvPr/>
+        </p:nvPicPr>
+        <p:blipFill rotWithShape="1">
+          <a:blip r:embed="rId3"/>
+          <a:srcRect l="39942" t="1396" r="40261" b="83876"/>
+          <a:stretch/>
+        </p:blipFill>
+        <p:spPr>
+          <a:xfrm>
+            <a:off x="3437860" y="3072808"/>
+            <a:ext cx="5259082" cy="2200940"/>
+          </a:xfrm>
+          <a:prstGeom prst="rect">
+            <a:avLst/>
+          </a:prstGeom>
+        </p:spPr>
+      </p:pic>
+    </p:spTree>
+    <p:extLst>
+      <p:ext uri="{BB962C8B-B14F-4D97-AF65-F5344CB8AC3E}">
+        <p14:creationId xmlns:p14="http://schemas.microsoft.com/office/powerpoint/2010/main" val="1483293388"/>
+      </p:ext>
+    </p:extLst>
+  </p:cSld>
+  <p:clrMapOvr>
+    <a:masterClrMapping/>
+  </p:clrMapOvr>
+</p:sld>
+</file>
+
+<file path=ppt/slides/slide12.xml><?xml version="1.0" encoding="utf-8"?>
+<p:sld xmlns:a="http://schemas.openxmlformats.org/drawingml/2006/main" xmlns:r="http://schemas.openxmlformats.org/officeDocument/2006/relationships" xmlns:p="http://schemas.openxmlformats.org/presentationml/2006/main">
+  <p:cSld>
+    <p:spTree>
+      <p:nvGrpSpPr>
+        <p:cNvPr id="1" name=""/>
+        <p:cNvGrpSpPr/>
+        <p:nvPr/>
+      </p:nvGrpSpPr>
+      <p:grpSpPr>
+        <a:xfrm>
+          <a:off x="0" y="0"/>
+          <a:ext cx="0" cy="0"/>
+          <a:chOff x="0" y="0"/>
+          <a:chExt cx="0" cy="0"/>
+        </a:xfrm>
+      </p:grpSpPr>
+      <p:sp>
+        <p:nvSpPr>
+          <p:cNvPr id="5" name="Title 4">
+            <a:extLst>
+              <a:ext uri="{FF2B5EF4-FFF2-40B4-BE49-F238E27FC236}">
+                <a16:creationId xmlns:a16="http://schemas.microsoft.com/office/drawing/2014/main" id="{8FBA75B4-2DD5-42EB-9397-F36BFB8BA723}"/>
+              </a:ext>
+            </a:extLst>
+          </p:cNvPr>
+          <p:cNvSpPr>
+            <a:spLocks noGrp="1"/>
+          </p:cNvSpPr>
+          <p:nvPr>
+            <p:ph type="title"/>
+          </p:nvPr>
+        </p:nvSpPr>
+        <p:spPr/>
+        <p:txBody>
+          <a:bodyPr>
+            <a:normAutofit fontScale="90000"/>
+          </a:bodyPr>
+          <a:lstStyle/>
+          <a:p>
+            <a:r>
+              <a:rPr lang="en-US" sz="4400" b="1">
+                <a:solidFill>
+                  <a:schemeClr val="accent1"/>
+                </a:solidFill>
+                <a:latin typeface="Arial"/>
+                <a:ea typeface="+mj-lt"/>
+                <a:cs typeface="Arial"/>
+              </a:rPr>
+              <a:t>Result</a:t>
+            </a:r>
+            <a:endParaRPr lang="en-US"/>
+          </a:p>
+        </p:txBody>
+      </p:sp>
+      <p:sp>
+        <p:nvSpPr>
+          <p:cNvPr id="7" name="Content Placeholder 6">
+            <a:extLst>
+              <a:ext uri="{FF2B5EF4-FFF2-40B4-BE49-F238E27FC236}">
+                <a16:creationId xmlns:a16="http://schemas.microsoft.com/office/drawing/2014/main" id="{281651EC-630E-5A92-D8C2-050D69EF8E0C}"/>
+              </a:ext>
+            </a:extLst>
+          </p:cNvPr>
+          <p:cNvSpPr>
+            <a:spLocks noGrp="1"/>
+          </p:cNvSpPr>
+          <p:nvPr>
+            <p:ph idx="1"/>
+          </p:nvPr>
+        </p:nvSpPr>
+        <p:spPr>
+          <a:xfrm>
+            <a:off x="581193" y="-128109"/>
+            <a:ext cx="11029615" cy="4673324"/>
+          </a:xfrm>
+        </p:spPr>
+        <p:txBody>
+          <a:bodyPr>
+            <a:normAutofit/>
+          </a:bodyPr>
+          <a:lstStyle/>
+          <a:p>
+            <a:r>
+              <a:rPr lang="en-IN" sz="2000" b="1" dirty="0">
+                <a:latin typeface="system-ui"/>
+              </a:rPr>
+              <a:t>Encoding:</a:t>
+            </a:r>
+          </a:p>
+          <a:p>
+            <a:pPr marL="0" indent="0">
+              <a:buNone/>
+            </a:pPr>
+            <a:r>
+              <a:rPr lang="en-IN" sz="2000" b="1" dirty="0">
+                <a:latin typeface="system-ui"/>
+              </a:rPr>
+              <a:t>	Step2 : Input the image in which message to be encoded </a:t>
+            </a:r>
+          </a:p>
+          <a:p>
+            <a:endParaRPr lang="en-IN" sz="2000" b="1" dirty="0">
+              <a:latin typeface="system-ui"/>
+            </a:endParaRPr>
+          </a:p>
+        </p:txBody>
+      </p:sp>
+      <p:pic>
+        <p:nvPicPr>
+          <p:cNvPr id="6" name="Picture 5">
+            <a:extLst>
+              <a:ext uri="{FF2B5EF4-FFF2-40B4-BE49-F238E27FC236}">
+                <a16:creationId xmlns:a16="http://schemas.microsoft.com/office/drawing/2014/main" id="{DB9D45C1-A6CB-258F-0B5C-3A3D9AB3EC15}"/>
+              </a:ext>
+            </a:extLst>
+          </p:cNvPr>
+          <p:cNvPicPr>
+            <a:picLocks noChangeAspect="1"/>
+          </p:cNvPicPr>
+          <p:nvPr/>
+        </p:nvPicPr>
+        <p:blipFill rotWithShape="1">
+          <a:blip r:embed="rId2"/>
+          <a:srcRect l="3837" t="11292" r="44564" b="34561"/>
+          <a:stretch/>
+        </p:blipFill>
+        <p:spPr>
+          <a:xfrm>
+            <a:off x="2950535" y="2688537"/>
+            <a:ext cx="6290930" cy="3713356"/>
+          </a:xfrm>
+          <a:prstGeom prst="rect">
+            <a:avLst/>
+          </a:prstGeom>
+        </p:spPr>
+      </p:pic>
+    </p:spTree>
+    <p:extLst>
+      <p:ext uri="{BB962C8B-B14F-4D97-AF65-F5344CB8AC3E}">
+        <p14:creationId xmlns:p14="http://schemas.microsoft.com/office/powerpoint/2010/main" val="430124107"/>
+      </p:ext>
+    </p:extLst>
+  </p:cSld>
+  <p:clrMapOvr>
+    <a:masterClrMapping/>
+  </p:clrMapOvr>
+</p:sld>
+</file>
+
+<file path=ppt/slides/slide13.xml><?xml version="1.0" encoding="utf-8"?>
+<p:sld xmlns:a="http://schemas.openxmlformats.org/drawingml/2006/main" xmlns:r="http://schemas.openxmlformats.org/officeDocument/2006/relationships" xmlns:p="http://schemas.openxmlformats.org/presentationml/2006/main">
+  <p:cSld>
+    <p:spTree>
+      <p:nvGrpSpPr>
+        <p:cNvPr id="1" name=""/>
+        <p:cNvGrpSpPr/>
+        <p:nvPr/>
+      </p:nvGrpSpPr>
+      <p:grpSpPr>
+        <a:xfrm>
+          <a:off x="0" y="0"/>
+          <a:ext cx="0" cy="0"/>
+          <a:chOff x="0" y="0"/>
+          <a:chExt cx="0" cy="0"/>
+        </a:xfrm>
+      </p:grpSpPr>
+      <p:sp>
+        <p:nvSpPr>
+          <p:cNvPr id="5" name="Title 4">
+            <a:extLst>
+              <a:ext uri="{FF2B5EF4-FFF2-40B4-BE49-F238E27FC236}">
+                <a16:creationId xmlns:a16="http://schemas.microsoft.com/office/drawing/2014/main" id="{8FBA75B4-2DD5-42EB-9397-F36BFB8BA723}"/>
+              </a:ext>
+            </a:extLst>
+          </p:cNvPr>
+          <p:cNvSpPr>
+            <a:spLocks noGrp="1"/>
+          </p:cNvSpPr>
+          <p:nvPr>
+            <p:ph type="title"/>
+          </p:nvPr>
+        </p:nvSpPr>
+        <p:spPr/>
+        <p:txBody>
+          <a:bodyPr>
+            <a:normAutofit fontScale="90000"/>
+          </a:bodyPr>
+          <a:lstStyle/>
+          <a:p>
+            <a:r>
+              <a:rPr lang="en-US" sz="4400" b="1">
+                <a:solidFill>
+                  <a:schemeClr val="accent1"/>
+                </a:solidFill>
+                <a:latin typeface="Arial"/>
+                <a:ea typeface="+mj-lt"/>
+                <a:cs typeface="Arial"/>
+              </a:rPr>
+              <a:t>Result</a:t>
+            </a:r>
+            <a:endParaRPr lang="en-US"/>
+          </a:p>
+        </p:txBody>
+      </p:sp>
+      <p:sp>
+        <p:nvSpPr>
+          <p:cNvPr id="7" name="Content Placeholder 6">
+            <a:extLst>
+              <a:ext uri="{FF2B5EF4-FFF2-40B4-BE49-F238E27FC236}">
+                <a16:creationId xmlns:a16="http://schemas.microsoft.com/office/drawing/2014/main" id="{281651EC-630E-5A92-D8C2-050D69EF8E0C}"/>
+              </a:ext>
+            </a:extLst>
+          </p:cNvPr>
+          <p:cNvSpPr>
+            <a:spLocks noGrp="1"/>
+          </p:cNvSpPr>
+          <p:nvPr>
+            <p:ph idx="1"/>
+          </p:nvPr>
+        </p:nvSpPr>
+        <p:spPr>
+          <a:xfrm>
+            <a:off x="581193" y="-128109"/>
+            <a:ext cx="11029615" cy="4673324"/>
+          </a:xfrm>
+        </p:spPr>
+        <p:txBody>
+          <a:bodyPr>
+            <a:normAutofit/>
+          </a:bodyPr>
+          <a:lstStyle/>
+          <a:p>
+            <a:r>
+              <a:rPr lang="en-IN" sz="2000" b="1" dirty="0">
+                <a:latin typeface="system-ui"/>
+              </a:rPr>
+              <a:t>Encoding:</a:t>
+            </a:r>
+          </a:p>
+          <a:p>
+            <a:pPr marL="0" indent="0">
+              <a:buNone/>
+            </a:pPr>
+            <a:r>
+              <a:rPr lang="en-IN" sz="2000" b="1" dirty="0">
+                <a:latin typeface="system-ui"/>
+              </a:rPr>
+              <a:t>	Step3 : Save the resultant image</a:t>
+            </a:r>
+          </a:p>
+          <a:p>
+            <a:endParaRPr lang="en-IN" sz="2000" b="1" dirty="0">
+              <a:latin typeface="system-ui"/>
+            </a:endParaRPr>
+          </a:p>
+        </p:txBody>
+      </p:sp>
+      <p:pic>
+        <p:nvPicPr>
+          <p:cNvPr id="3" name="Picture 2">
+            <a:extLst>
+              <a:ext uri="{FF2B5EF4-FFF2-40B4-BE49-F238E27FC236}">
+                <a16:creationId xmlns:a16="http://schemas.microsoft.com/office/drawing/2014/main" id="{FD5E4175-C21A-7234-0532-4F185B7F89D3}"/>
+              </a:ext>
+            </a:extLst>
+          </p:cNvPr>
+          <p:cNvPicPr>
+            <a:picLocks noChangeAspect="1"/>
+          </p:cNvPicPr>
+          <p:nvPr/>
+        </p:nvPicPr>
+        <p:blipFill rotWithShape="1">
+          <a:blip r:embed="rId2"/>
+          <a:srcRect l="4274" t="11430" r="38779" b="34306"/>
+          <a:stretch/>
+        </p:blipFill>
+        <p:spPr>
+          <a:xfrm>
+            <a:off x="2624469" y="2684517"/>
+            <a:ext cx="6943061" cy="3721395"/>
+          </a:xfrm>
+          <a:prstGeom prst="rect">
+            <a:avLst/>
+          </a:prstGeom>
+        </p:spPr>
+      </p:pic>
+    </p:spTree>
+    <p:extLst>
+      <p:ext uri="{BB962C8B-B14F-4D97-AF65-F5344CB8AC3E}">
+        <p14:creationId xmlns:p14="http://schemas.microsoft.com/office/powerpoint/2010/main" val="146011732"/>
+      </p:ext>
+    </p:extLst>
+  </p:cSld>
+  <p:clrMapOvr>
+    <a:masterClrMapping/>
+  </p:clrMapOvr>
+</p:sld>
+</file>
+
+<file path=ppt/slides/slide14.xml><?xml version="1.0" encoding="utf-8"?>
+<p:sld xmlns:a="http://schemas.openxmlformats.org/drawingml/2006/main" xmlns:r="http://schemas.openxmlformats.org/officeDocument/2006/relationships" xmlns:p="http://schemas.openxmlformats.org/presentationml/2006/main">
+  <p:cSld>
+    <p:spTree>
+      <p:nvGrpSpPr>
+        <p:cNvPr id="1" name=""/>
+        <p:cNvGrpSpPr/>
+        <p:nvPr/>
+      </p:nvGrpSpPr>
+      <p:grpSpPr>
+        <a:xfrm>
+          <a:off x="0" y="0"/>
+          <a:ext cx="0" cy="0"/>
+          <a:chOff x="0" y="0"/>
+          <a:chExt cx="0" cy="0"/>
+        </a:xfrm>
+      </p:grpSpPr>
+      <p:sp>
+        <p:nvSpPr>
+          <p:cNvPr id="5" name="Title 4">
+            <a:extLst>
+              <a:ext uri="{FF2B5EF4-FFF2-40B4-BE49-F238E27FC236}">
+                <a16:creationId xmlns:a16="http://schemas.microsoft.com/office/drawing/2014/main" id="{8FBA75B4-2DD5-42EB-9397-F36BFB8BA723}"/>
+              </a:ext>
+            </a:extLst>
+          </p:cNvPr>
+          <p:cNvSpPr>
+            <a:spLocks noGrp="1"/>
+          </p:cNvSpPr>
+          <p:nvPr>
+            <p:ph type="title"/>
+          </p:nvPr>
+        </p:nvSpPr>
+        <p:spPr/>
+        <p:txBody>
+          <a:bodyPr>
+            <a:normAutofit fontScale="90000"/>
+          </a:bodyPr>
+          <a:lstStyle/>
+          <a:p>
+            <a:r>
+              <a:rPr lang="en-US" sz="4400" b="1">
+                <a:solidFill>
+                  <a:schemeClr val="accent1"/>
+                </a:solidFill>
+                <a:latin typeface="Arial"/>
+                <a:ea typeface="+mj-lt"/>
+                <a:cs typeface="Arial"/>
+              </a:rPr>
+              <a:t>Result</a:t>
+            </a:r>
+            <a:endParaRPr lang="en-US"/>
+          </a:p>
+        </p:txBody>
+      </p:sp>
+      <p:sp>
+        <p:nvSpPr>
+          <p:cNvPr id="7" name="Content Placeholder 6">
+            <a:extLst>
+              <a:ext uri="{FF2B5EF4-FFF2-40B4-BE49-F238E27FC236}">
+                <a16:creationId xmlns:a16="http://schemas.microsoft.com/office/drawing/2014/main" id="{281651EC-630E-5A92-D8C2-050D69EF8E0C}"/>
+              </a:ext>
+            </a:extLst>
+          </p:cNvPr>
+          <p:cNvSpPr>
+            <a:spLocks noGrp="1"/>
+          </p:cNvSpPr>
+          <p:nvPr>
+            <p:ph idx="1"/>
+          </p:nvPr>
+        </p:nvSpPr>
+        <p:spPr>
+          <a:xfrm>
+            <a:off x="581193" y="-128109"/>
+            <a:ext cx="11029615" cy="4673324"/>
+          </a:xfrm>
+        </p:spPr>
+        <p:txBody>
+          <a:bodyPr>
+            <a:normAutofit/>
+          </a:bodyPr>
+          <a:lstStyle/>
+          <a:p>
+            <a:r>
+              <a:rPr lang="en-IN" sz="2000" b="1" dirty="0">
+                <a:latin typeface="system-ui"/>
+              </a:rPr>
+              <a:t>Encoding:</a:t>
+            </a:r>
+          </a:p>
+          <a:p>
+            <a:pPr marL="0" indent="0">
+              <a:buNone/>
+            </a:pPr>
+            <a:r>
+              <a:rPr lang="en-IN" sz="2000" b="1" dirty="0">
+                <a:latin typeface="system-ui"/>
+              </a:rPr>
+              <a:t>	Step4 : Success Message display</a:t>
+            </a:r>
+          </a:p>
+          <a:p>
+            <a:endParaRPr lang="en-IN" sz="2000" b="1" dirty="0">
+              <a:latin typeface="system-ui"/>
+            </a:endParaRPr>
+          </a:p>
+        </p:txBody>
+      </p:sp>
+      <p:pic>
+        <p:nvPicPr>
+          <p:cNvPr id="8" name="Picture 7">
+            <a:extLst>
+              <a:ext uri="{FF2B5EF4-FFF2-40B4-BE49-F238E27FC236}">
+                <a16:creationId xmlns:a16="http://schemas.microsoft.com/office/drawing/2014/main" id="{0F4D95AD-B5B0-220A-95B9-FE70BA7FE375}"/>
+              </a:ext>
+            </a:extLst>
+          </p:cNvPr>
+          <p:cNvPicPr>
+            <a:picLocks noChangeAspect="1"/>
+          </p:cNvPicPr>
+          <p:nvPr/>
+        </p:nvPicPr>
+        <p:blipFill rotWithShape="1">
+          <a:blip r:embed="rId2"/>
+          <a:srcRect l="38284" r="39390" b="80620"/>
+          <a:stretch/>
+        </p:blipFill>
+        <p:spPr>
+          <a:xfrm>
+            <a:off x="2462951" y="2503357"/>
+            <a:ext cx="7266098" cy="3547900"/>
+          </a:xfrm>
+          <a:prstGeom prst="rect">
+            <a:avLst/>
+          </a:prstGeom>
+        </p:spPr>
+      </p:pic>
+    </p:spTree>
+    <p:extLst>
+      <p:ext uri="{BB962C8B-B14F-4D97-AF65-F5344CB8AC3E}">
+        <p14:creationId xmlns:p14="http://schemas.microsoft.com/office/powerpoint/2010/main" val="3148507715"/>
+      </p:ext>
+    </p:extLst>
+  </p:cSld>
+  <p:clrMapOvr>
+    <a:masterClrMapping/>
+  </p:clrMapOvr>
+</p:sld>
+</file>
+
+<file path=ppt/slides/slide15.xml><?xml version="1.0" encoding="utf-8"?>
+<p:sld xmlns:a="http://schemas.openxmlformats.org/drawingml/2006/main" xmlns:r="http://schemas.openxmlformats.org/officeDocument/2006/relationships" xmlns:p="http://schemas.openxmlformats.org/presentationml/2006/main">
+  <p:cSld>
+    <p:spTree>
+      <p:nvGrpSpPr>
+        <p:cNvPr id="1" name=""/>
+        <p:cNvGrpSpPr/>
+        <p:nvPr/>
+      </p:nvGrpSpPr>
+      <p:grpSpPr>
+        <a:xfrm>
+          <a:off x="0" y="0"/>
+          <a:ext cx="0" cy="0"/>
+          <a:chOff x="0" y="0"/>
+          <a:chExt cx="0" cy="0"/>
+        </a:xfrm>
+      </p:grpSpPr>
+      <p:sp>
+        <p:nvSpPr>
+          <p:cNvPr id="5" name="Title 4">
+            <a:extLst>
+              <a:ext uri="{FF2B5EF4-FFF2-40B4-BE49-F238E27FC236}">
+                <a16:creationId xmlns:a16="http://schemas.microsoft.com/office/drawing/2014/main" id="{8FBA75B4-2DD5-42EB-9397-F36BFB8BA723}"/>
+              </a:ext>
+            </a:extLst>
+          </p:cNvPr>
+          <p:cNvSpPr>
+            <a:spLocks noGrp="1"/>
+          </p:cNvSpPr>
+          <p:nvPr>
+            <p:ph type="title"/>
+          </p:nvPr>
+        </p:nvSpPr>
+        <p:spPr/>
+        <p:txBody>
+          <a:bodyPr>
+            <a:normAutofit fontScale="90000"/>
+          </a:bodyPr>
+          <a:lstStyle/>
+          <a:p>
+            <a:r>
+              <a:rPr lang="en-US" sz="4400" b="1">
+                <a:solidFill>
+                  <a:schemeClr val="accent1"/>
+                </a:solidFill>
+                <a:latin typeface="Arial"/>
+                <a:ea typeface="+mj-lt"/>
+                <a:cs typeface="Arial"/>
+              </a:rPr>
+              <a:t>Result</a:t>
+            </a:r>
+            <a:endParaRPr lang="en-US"/>
+          </a:p>
+        </p:txBody>
+      </p:sp>
+      <p:sp>
+        <p:nvSpPr>
+          <p:cNvPr id="7" name="Content Placeholder 6">
+            <a:extLst>
+              <a:ext uri="{FF2B5EF4-FFF2-40B4-BE49-F238E27FC236}">
+                <a16:creationId xmlns:a16="http://schemas.microsoft.com/office/drawing/2014/main" id="{281651EC-630E-5A92-D8C2-050D69EF8E0C}"/>
+              </a:ext>
+            </a:extLst>
+          </p:cNvPr>
+          <p:cNvSpPr>
+            <a:spLocks noGrp="1"/>
+          </p:cNvSpPr>
+          <p:nvPr>
+            <p:ph idx="1"/>
+          </p:nvPr>
+        </p:nvSpPr>
+        <p:spPr>
+          <a:xfrm>
+            <a:off x="581193" y="-128109"/>
+            <a:ext cx="11029615" cy="4673324"/>
+          </a:xfrm>
+        </p:spPr>
+        <p:txBody>
+          <a:bodyPr>
+            <a:normAutofit/>
+          </a:bodyPr>
+          <a:lstStyle/>
+          <a:p>
+            <a:r>
+              <a:rPr lang="en-IN" sz="2000" b="1" dirty="0">
+                <a:latin typeface="system-ui"/>
+              </a:rPr>
+              <a:t>Decoding:</a:t>
+            </a:r>
+          </a:p>
+          <a:p>
+            <a:pPr marL="0" indent="0">
+              <a:buNone/>
+            </a:pPr>
+            <a:r>
+              <a:rPr lang="en-IN" sz="2000" b="1" dirty="0">
+                <a:latin typeface="system-ui"/>
+              </a:rPr>
+              <a:t>	</a:t>
+            </a:r>
+          </a:p>
+          <a:p>
+            <a:endParaRPr lang="en-IN" sz="2000" b="1" dirty="0">
+              <a:latin typeface="system-ui"/>
+            </a:endParaRPr>
+          </a:p>
+        </p:txBody>
+      </p:sp>
+      <p:pic>
+        <p:nvPicPr>
+          <p:cNvPr id="3" name="Picture 2">
+            <a:extLst>
+              <a:ext uri="{FF2B5EF4-FFF2-40B4-BE49-F238E27FC236}">
+                <a16:creationId xmlns:a16="http://schemas.microsoft.com/office/drawing/2014/main" id="{9C77FD2C-5F83-F593-0E10-871A823886FE}"/>
+              </a:ext>
+            </a:extLst>
+          </p:cNvPr>
+          <p:cNvPicPr>
+            <a:picLocks noChangeAspect="1"/>
+          </p:cNvPicPr>
+          <p:nvPr/>
+        </p:nvPicPr>
+        <p:blipFill rotWithShape="1">
+          <a:blip r:embed="rId2"/>
+          <a:srcRect l="24296" r="23680" b="37054"/>
+          <a:stretch/>
+        </p:blipFill>
+        <p:spPr>
+          <a:xfrm>
+            <a:off x="1906772" y="1884777"/>
+            <a:ext cx="8378456" cy="4316819"/>
+          </a:xfrm>
+          <a:prstGeom prst="rect">
+            <a:avLst/>
+          </a:prstGeom>
+        </p:spPr>
+      </p:pic>
+    </p:spTree>
+    <p:extLst>
+      <p:ext uri="{BB962C8B-B14F-4D97-AF65-F5344CB8AC3E}">
+        <p14:creationId xmlns:p14="http://schemas.microsoft.com/office/powerpoint/2010/main" val="2585773573"/>
+      </p:ext>
+    </p:extLst>
+  </p:cSld>
+  <p:clrMapOvr>
+    <a:masterClrMapping/>
+  </p:clrMapOvr>
+</p:sld>
+</file>
+
+<file path=ppt/slides/slide16.xml><?xml version="1.0" encoding="utf-8"?>
+<p:sld xmlns:a="http://schemas.openxmlformats.org/drawingml/2006/main" xmlns:r="http://schemas.openxmlformats.org/officeDocument/2006/relationships" xmlns:p="http://schemas.openxmlformats.org/presentationml/2006/main">
+  <p:cSld>
+    <p:spTree>
+      <p:nvGrpSpPr>
+        <p:cNvPr id="1" name=""/>
+        <p:cNvGrpSpPr/>
+        <p:nvPr/>
+      </p:nvGrpSpPr>
+      <p:grpSpPr>
+        <a:xfrm>
+          <a:off x="0" y="0"/>
+          <a:ext cx="0" cy="0"/>
+          <a:chOff x="0" y="0"/>
+          <a:chExt cx="0" cy="0"/>
+        </a:xfrm>
+      </p:grpSpPr>
+      <p:sp>
+        <p:nvSpPr>
+          <p:cNvPr id="5" name="Title 4">
+            <a:extLst>
+              <a:ext uri="{FF2B5EF4-FFF2-40B4-BE49-F238E27FC236}">
+                <a16:creationId xmlns:a16="http://schemas.microsoft.com/office/drawing/2014/main" id="{8FBA75B4-2DD5-42EB-9397-F36BFB8BA723}"/>
+              </a:ext>
+            </a:extLst>
+          </p:cNvPr>
+          <p:cNvSpPr>
+            <a:spLocks noGrp="1"/>
+          </p:cNvSpPr>
+          <p:nvPr>
+            <p:ph type="title"/>
+          </p:nvPr>
+        </p:nvSpPr>
+        <p:spPr/>
+        <p:txBody>
+          <a:bodyPr>
+            <a:normAutofit fontScale="90000"/>
+          </a:bodyPr>
+          <a:lstStyle/>
+          <a:p>
+            <a:r>
+              <a:rPr lang="en-US" sz="4400" b="1">
+                <a:solidFill>
+                  <a:schemeClr val="accent1"/>
+                </a:solidFill>
+                <a:latin typeface="Arial"/>
+                <a:ea typeface="+mj-lt"/>
+                <a:cs typeface="Arial"/>
+              </a:rPr>
+              <a:t>Conclusion</a:t>
+            </a:r>
+            <a:endParaRPr lang="en-US"/>
+          </a:p>
+        </p:txBody>
+      </p:sp>
+      <p:sp>
+        <p:nvSpPr>
+          <p:cNvPr id="2" name="Content Placeholder 1">
+            <a:extLst>
+              <a:ext uri="{FF2B5EF4-FFF2-40B4-BE49-F238E27FC236}">
+                <a16:creationId xmlns:a16="http://schemas.microsoft.com/office/drawing/2014/main" id="{005E46AB-32C4-4B57-A2B1-50738A64BE1B}"/>
+              </a:ext>
+            </a:extLst>
+          </p:cNvPr>
+          <p:cNvSpPr>
+            <a:spLocks noGrp="1"/>
+          </p:cNvSpPr>
+          <p:nvPr>
+            <p:ph idx="1"/>
+          </p:nvPr>
+        </p:nvSpPr>
+        <p:spPr>
+          <a:xfrm>
+            <a:off x="581192" y="1302025"/>
+            <a:ext cx="11029615" cy="5151937"/>
+          </a:xfrm>
+        </p:spPr>
+        <p:txBody>
+          <a:bodyPr>
+            <a:normAutofit fontScale="70000" lnSpcReduction="20000"/>
+          </a:bodyPr>
+          <a:lstStyle/>
+          <a:p>
+            <a:pPr marL="305435" indent="-305435">
+              <a:lnSpc>
+                <a:spcPct val="130000"/>
+              </a:lnSpc>
+            </a:pPr>
+            <a:r>
+              <a:rPr lang="en-IN" sz="2600" b="1" dirty="0">
+                <a:ea typeface="+mn-lt"/>
+                <a:cs typeface="+mn-lt"/>
+              </a:rPr>
+              <a:t>Summarize the findings and discuss the effectiveness of the proposed solution. Highlight any challenges encountered during the implementation and potential improvements. Emphasize the importance of accurate bike count predictions for ensuring a stable supply of rental bikes in urban areas.</a:t>
+            </a:r>
+          </a:p>
+          <a:p>
+            <a:pPr marL="305435" indent="-305435">
+              <a:lnSpc>
+                <a:spcPct val="130000"/>
+              </a:lnSpc>
+            </a:pPr>
+            <a:r>
+              <a:rPr lang="en-US" sz="2600" b="1" dirty="0">
+                <a:ea typeface="+mn-lt"/>
+                <a:cs typeface="+mn-lt"/>
+              </a:rPr>
+              <a:t>The provided code demonstrates a </a:t>
+            </a:r>
+            <a:r>
+              <a:rPr lang="en-US" sz="2600" b="1" dirty="0" err="1">
+                <a:ea typeface="+mn-lt"/>
+                <a:cs typeface="+mn-lt"/>
+              </a:rPr>
+              <a:t>Tkinter</a:t>
+            </a:r>
+            <a:r>
+              <a:rPr lang="en-US" sz="2600" b="1" dirty="0">
+                <a:ea typeface="+mn-lt"/>
+                <a:cs typeface="+mn-lt"/>
+              </a:rPr>
+              <a:t> GUI application for steganography, which allows users to encode and decode secret messages within image files. The application implements the Least Significant Bit (LSB) technique, a popular method for steganography that modifies the least significant bits of the pixel values in an image to embed the secret message.</a:t>
+            </a:r>
+          </a:p>
+          <a:p>
+            <a:pPr marL="305435" indent="-305435">
+              <a:lnSpc>
+                <a:spcPct val="130000"/>
+              </a:lnSpc>
+            </a:pPr>
+            <a:r>
+              <a:rPr lang="en-US" sz="2600" b="1" dirty="0">
+                <a:ea typeface="+mn-lt"/>
+                <a:cs typeface="+mn-lt"/>
+              </a:rPr>
+              <a:t>While the LSB technique is a simple and effective method for steganography, it has limitations in terms of the amount of data that can be embedded without causing noticeable visual distortions. Additionally, the encoded data is not encrypted, making it vulnerable to detection and decoding if the steganography technique is known.</a:t>
+            </a:r>
+          </a:p>
+          <a:p>
+            <a:pPr marL="305435" indent="-305435">
+              <a:lnSpc>
+                <a:spcPct val="130000"/>
+              </a:lnSpc>
+            </a:pPr>
+            <a:r>
+              <a:rPr lang="en-US" sz="2600" b="1" dirty="0">
+                <a:ea typeface="+mn-lt"/>
+                <a:cs typeface="+mn-lt"/>
+              </a:rPr>
+              <a:t>To enhance the security and robustness of the application, several improvements can be considered, such as implementing encryption techniques, exploring alternative steganography methods (e.g., transform domains, adaptive techniques), and incorporating additional security measures like key-based encryption or obfuscation techniques.</a:t>
+            </a:r>
+          </a:p>
+          <a:p>
+            <a:pPr marL="0" indent="0">
+              <a:buNone/>
+            </a:pPr>
+            <a:endParaRPr lang="en-IN" sz="1800" b="1" dirty="0">
+              <a:latin typeface="+mj-lt"/>
+            </a:endParaRPr>
+          </a:p>
+        </p:txBody>
+      </p:sp>
+    </p:spTree>
+    <p:extLst>
+      <p:ext uri="{BB962C8B-B14F-4D97-AF65-F5344CB8AC3E}">
+        <p14:creationId xmlns:p14="http://schemas.microsoft.com/office/powerpoint/2010/main" val="3183315129"/>
+      </p:ext>
+    </p:extLst>
+  </p:cSld>
+  <p:clrMapOvr>
+    <a:masterClrMapping/>
+  </p:clrMapOvr>
+</p:sld>
+</file>
+
+<file path=ppt/slides/slide17.xml><?xml version="1.0" encoding="utf-8"?>
+<p:sld xmlns:a="http://schemas.openxmlformats.org/drawingml/2006/main" xmlns:r="http://schemas.openxmlformats.org/officeDocument/2006/relationships" xmlns:p="http://schemas.openxmlformats.org/presentationml/2006/main">
+  <p:cSld>
+    <p:spTree>
+      <p:nvGrpSpPr>
+        <p:cNvPr id="1" name=""/>
+        <p:cNvGrpSpPr/>
+        <p:nvPr/>
+      </p:nvGrpSpPr>
+      <p:grpSpPr>
+        <a:xfrm>
+          <a:off x="0" y="0"/>
+          <a:ext cx="0" cy="0"/>
+          <a:chOff x="0" y="0"/>
+          <a:chExt cx="0" cy="0"/>
+        </a:xfrm>
+      </p:grpSpPr>
+      <p:sp>
+        <p:nvSpPr>
+          <p:cNvPr id="5" name="Title 4">
+            <a:extLst>
+              <a:ext uri="{FF2B5EF4-FFF2-40B4-BE49-F238E27FC236}">
+                <a16:creationId xmlns:a16="http://schemas.microsoft.com/office/drawing/2014/main" id="{8FBA75B4-2DD5-42EB-9397-F36BFB8BA723}"/>
+              </a:ext>
+            </a:extLst>
+          </p:cNvPr>
+          <p:cNvSpPr>
+            <a:spLocks noGrp="1"/>
+          </p:cNvSpPr>
+          <p:nvPr>
+            <p:ph type="title"/>
+          </p:nvPr>
+        </p:nvSpPr>
+        <p:spPr/>
+        <p:txBody>
+          <a:bodyPr>
+            <a:normAutofit fontScale="90000"/>
+          </a:bodyPr>
+          <a:lstStyle/>
+          <a:p>
+            <a:r>
               <a:rPr lang="en-US" sz="4400" b="1">
                 <a:solidFill>
                   <a:schemeClr val="accent1"/>
@@ -4643,22 +6367,71 @@
         <p:spPr/>
         <p:txBody>
           <a:bodyPr>
-            <a:normAutofit/>
+            <a:normAutofit lnSpcReduction="10000"/>
           </a:bodyPr>
           <a:lstStyle/>
           <a:p>
             <a:pPr marL="305435" indent="-305435"/>
             <a:r>
-              <a:rPr lang="en-IN" sz="2400" dirty="0">
-                <a:solidFill>
-                  <a:srgbClr val="0F0F0F"/>
-                </a:solidFill>
-                <a:ea typeface="+mn-lt"/>
-                <a:cs typeface="+mn-lt"/>
-              </a:rPr>
-              <a:t>List and cite relevant sources, research papers, and articles that were instrumental in developing the proposed solution. This could include academic papers on bike demand prediction, machine learning algorithms, and best practices in data preprocessing and model evaluation.</a:t>
-            </a:r>
-            <a:endParaRPr lang="en-IN" sz="2400" dirty="0"/>
+              <a:rPr lang="en-IN" sz="2400" b="1" dirty="0" err="1"/>
+              <a:t>Tkinter</a:t>
+            </a:r>
+            <a:r>
+              <a:rPr lang="en-IN" sz="2400" b="1" dirty="0"/>
+              <a:t> Documentation: https://docs.python.org/3/library/tkinter.html</a:t>
+            </a:r>
+          </a:p>
+          <a:p>
+            <a:pPr marL="305435" indent="-305435"/>
+            <a:r>
+              <a:rPr lang="en-IN" sz="2400" b="1" dirty="0"/>
+              <a:t>Pillow (PIL) Documentation: https://pillow.readthedocs.io/en/stable/</a:t>
+            </a:r>
+          </a:p>
+          <a:p>
+            <a:pPr marL="305435" indent="-305435"/>
+            <a:r>
+              <a:rPr lang="en-IN" sz="2400" b="1" dirty="0"/>
+              <a:t>"Steganography Using Least Significant Bit Algorithm" by Monika Agrawal and Priyanka Mishra: https://www.ijser.org/researchpaper/Steganography-Using-Least-Significant-Bit-Algorithm.pdf</a:t>
+            </a:r>
+          </a:p>
+          <a:p>
+            <a:pPr marL="305435" indent="-305435"/>
+            <a:r>
+              <a:rPr lang="en-IN" sz="2400" b="1" dirty="0"/>
+              <a:t>"A Survey on Steganography Techniques" by Shashikala </a:t>
+            </a:r>
+            <a:r>
+              <a:rPr lang="en-IN" sz="2400" b="1" dirty="0" err="1"/>
+              <a:t>Channalli</a:t>
+            </a:r>
+            <a:r>
+              <a:rPr lang="en-IN" sz="2400" b="1" dirty="0"/>
+              <a:t> and Ajay Jadhav: https://arxiv.org/abs/1708.03577</a:t>
+            </a:r>
+          </a:p>
+          <a:p>
+            <a:pPr marL="305435" indent="-305435"/>
+            <a:r>
+              <a:rPr lang="en-IN" sz="2400" b="1" dirty="0"/>
+              <a:t>"An Overview of Steganography Techniques" by Mehdi Kharrazi, </a:t>
+            </a:r>
+            <a:r>
+              <a:rPr lang="en-IN" sz="2400" b="1" dirty="0" err="1"/>
+              <a:t>Husrev</a:t>
+            </a:r>
+            <a:r>
+              <a:rPr lang="en-IN" sz="2400" b="1" dirty="0"/>
+              <a:t> T. </a:t>
+            </a:r>
+            <a:r>
+              <a:rPr lang="en-IN" sz="2400" b="1" dirty="0" err="1"/>
+              <a:t>Sencar</a:t>
+            </a:r>
+            <a:r>
+              <a:rPr lang="en-IN" sz="2400" b="1" dirty="0"/>
+              <a:t>, and Nasir Memon: https://www.cs.gmu.edu/~mkhahrah/publications/Kharrazi_SPMag2005.pdf</a:t>
+            </a:r>
           </a:p>
         </p:txBody>
       </p:sp>
@@ -4675,7 +6448,7 @@
 </p:sld>
 </file>
 
-<file path=ppt/slides/slide11.xml><?xml version="1.0" encoding="utf-8"?>
+<file path=ppt/slides/slide18.xml><?xml version="1.0" encoding="utf-8"?>
 <p:sld xmlns:a="http://schemas.openxmlformats.org/drawingml/2006/main" xmlns:r="http://schemas.openxmlformats.org/officeDocument/2006/relationships" xmlns:p="http://schemas.openxmlformats.org/presentationml/2006/main">
   <p:cSld>
     <p:spTree>
@@ -4819,7 +6592,7 @@
         </p:nvSpPr>
         <p:spPr>
           <a:xfrm>
-            <a:off x="838200" y="1618938"/>
+            <a:off x="826827" y="2086771"/>
             <a:ext cx="11019020" cy="5239062"/>
           </a:xfrm>
         </p:spPr>
@@ -4964,17 +6737,6 @@
                 <a:ea typeface="+mn-lt"/>
                 <a:cs typeface="Arial"/>
               </a:rPr>
-              <a:t>Future Scope</a:t>
-            </a:r>
-          </a:p>
-          <a:p>
-            <a:pPr marL="305435" indent="-305435"/>
-            <a:r>
-              <a:rPr lang="en-US" sz="2000" b="1" dirty="0">
-                <a:latin typeface="Arial"/>
-                <a:ea typeface="+mn-lt"/>
-                <a:cs typeface="Arial"/>
-              </a:rPr>
               <a:t>References</a:t>
             </a:r>
             <a:endParaRPr lang="en-US" dirty="0">
@@ -4984,7 +6746,7 @@
           </a:p>
           <a:p>
             <a:pPr marL="305435" indent="-305435"/>
-            <a:endParaRPr lang="en-US">
+            <a:endParaRPr lang="en-US" dirty="0">
               <a:latin typeface="Arial"/>
               <a:cs typeface="Arial"/>
             </a:endParaRPr>
@@ -5037,15 +6799,20 @@
             <p:ph type="title"/>
           </p:nvPr>
         </p:nvSpPr>
-        <p:spPr/>
+        <p:spPr>
+          <a:xfrm>
+            <a:off x="581192" y="702155"/>
+            <a:ext cx="11029616" cy="913993"/>
+          </a:xfrm>
+        </p:spPr>
         <p:txBody>
           <a:bodyPr>
-            <a:normAutofit fontScale="90000"/>
+            <a:normAutofit/>
           </a:bodyPr>
           <a:lstStyle/>
           <a:p>
             <a:r>
-              <a:rPr lang="en-US" sz="4400" b="1">
+              <a:rPr lang="en-US" sz="4400" b="1" dirty="0">
                 <a:solidFill>
                   <a:schemeClr val="accent1"/>
                 </a:solidFill>
@@ -5054,7 +6821,7 @@
               </a:rPr>
               <a:t>Problem Statement</a:t>
             </a:r>
-            <a:endParaRPr lang="en-US" sz="4400"/>
+            <a:endParaRPr lang="en-US" sz="4400" dirty="0"/>
           </a:p>
         </p:txBody>
       </p:sp>
@@ -5076,8 +6843,8 @@
         </p:nvSpPr>
         <p:spPr>
           <a:xfrm>
-            <a:off x="452403" y="1237632"/>
-            <a:ext cx="11029615" cy="4673324"/>
+            <a:off x="452403" y="2371060"/>
+            <a:ext cx="11029615" cy="3539895"/>
           </a:xfrm>
         </p:spPr>
         <p:txBody>
@@ -5088,43 +6855,111 @@
               <a:buNone/>
             </a:pPr>
             <a:r>
-              <a:rPr lang="en-IN" sz="3200">
-                <a:solidFill>
-                  <a:srgbClr val="0F0F0F"/>
-                </a:solidFill>
-                <a:ea typeface="+mn-lt"/>
-                <a:cs typeface="+mn-lt"/>
-              </a:rPr>
-              <a:t>Example:</a:t>
-            </a:r>
-            <a:r>
-              <a:rPr lang="en-IN" sz="2800">
-                <a:solidFill>
-                  <a:srgbClr val="0F0F0F"/>
-                </a:solidFill>
-                <a:ea typeface="+mn-lt"/>
-                <a:cs typeface="+mn-lt"/>
-              </a:rPr>
-              <a:t> </a:t>
-            </a:r>
-            <a:r>
-              <a:rPr lang="en-IN" sz="2400">
-                <a:solidFill>
-                  <a:srgbClr val="0F0F0F"/>
-                </a:solidFill>
-                <a:ea typeface="+mn-lt"/>
-                <a:cs typeface="+mn-lt"/>
-              </a:rPr>
-              <a:t>Currently Rental bikes are introduced in many urban cities for the enhancement of mobility comfort. It is important to make the rental bike available and accessible to the public at the right time as it lessens the waiting time. Eventually, providing the city with a stable supply of rental bikes becomes a major concern. The crucial part is the prediction of bike count required at each hour for the stable supply of rental bikes.</a:t>
-            </a:r>
-            <a:endParaRPr lang="en-IN" sz="2400"/>
-          </a:p>
-          <a:p>
-            <a:pPr marL="305435" indent="-305435"/>
-            <a:endParaRPr lang="en-IN"/>
-          </a:p>
-        </p:txBody>
-      </p:sp>
+              <a:rPr lang="en-US" sz="3200" b="0" i="0" dirty="0">
+                <a:solidFill>
+                  <a:srgbClr val="29261B"/>
+                </a:solidFill>
+                <a:effectLst/>
+                <a:latin typeface="system-ui"/>
+              </a:rPr>
+              <a:t>Design and develop a user-friendly </a:t>
+            </a:r>
+            <a:r>
+              <a:rPr lang="en-US" sz="3200" b="0" i="0" dirty="0" err="1">
+                <a:solidFill>
+                  <a:srgbClr val="29261B"/>
+                </a:solidFill>
+                <a:effectLst/>
+                <a:latin typeface="system-ui"/>
+              </a:rPr>
+              <a:t>Tkinter</a:t>
+            </a:r>
+            <a:r>
+              <a:rPr lang="en-US" sz="3200" b="0" i="0" dirty="0">
+                <a:solidFill>
+                  <a:srgbClr val="29261B"/>
+                </a:solidFill>
+                <a:effectLst/>
+                <a:latin typeface="system-ui"/>
+              </a:rPr>
+              <a:t> GUI application that implements steganography, allowing users to encode and decode secret messages within image files. The application should provide a simple and intuitive interface for users to perform steganography technique.</a:t>
+            </a:r>
+            <a:endParaRPr lang="en-IN" dirty="0"/>
+          </a:p>
+        </p:txBody>
+      </p:sp>
+      <p:pic>
+        <p:nvPicPr>
+          <p:cNvPr id="8" name="Picture 7">
+            <a:extLst>
+              <a:ext uri="{FF2B5EF4-FFF2-40B4-BE49-F238E27FC236}">
+                <a16:creationId xmlns:a16="http://schemas.microsoft.com/office/drawing/2014/main" id="{25910889-4F75-09A7-3A3D-22854F8BF78F}"/>
+              </a:ext>
+            </a:extLst>
+          </p:cNvPr>
+          <p:cNvPicPr>
+            <a:picLocks noChangeAspect="1"/>
+          </p:cNvPicPr>
+          <p:nvPr/>
+        </p:nvPicPr>
+        <p:blipFill>
+          <a:blip r:embed="rId2">
+            <a:extLst>
+              <a:ext uri="{837473B0-CC2E-450A-ABE3-18F120FF3D39}">
+                <a1611:picAttrSrcUrl xmlns:a1611="http://schemas.microsoft.com/office/drawing/2016/11/main" r:id="rId3"/>
+              </a:ext>
+            </a:extLst>
+          </a:blip>
+          <a:stretch>
+            <a:fillRect/>
+          </a:stretch>
+        </p:blipFill>
+        <p:spPr>
+          <a:xfrm>
+            <a:off x="8114413" y="702156"/>
+            <a:ext cx="1731335" cy="1947752"/>
+          </a:xfrm>
+          <a:prstGeom prst="rect">
+            <a:avLst/>
+          </a:prstGeom>
+        </p:spPr>
+      </p:pic>
+      <p:pic>
+        <p:nvPicPr>
+          <p:cNvPr id="4" name="Picture 3">
+            <a:extLst>
+              <a:ext uri="{FF2B5EF4-FFF2-40B4-BE49-F238E27FC236}">
+                <a16:creationId xmlns:a16="http://schemas.microsoft.com/office/drawing/2014/main" id="{9185D739-78C5-7987-FF4D-E464425C091F}"/>
+              </a:ext>
+            </a:extLst>
+          </p:cNvPr>
+          <p:cNvPicPr>
+            <a:picLocks noChangeAspect="1"/>
+          </p:cNvPicPr>
+          <p:nvPr/>
+        </p:nvPicPr>
+        <p:blipFill>
+          <a:blip r:embed="rId4">
+            <a:extLst>
+              <a:ext uri="{837473B0-CC2E-450A-ABE3-18F120FF3D39}">
+                <a1611:picAttrSrcUrl xmlns:a1611="http://schemas.microsoft.com/office/drawing/2016/11/main" r:id="rId5"/>
+              </a:ext>
+            </a:extLst>
+          </a:blip>
+          <a:stretch>
+            <a:fillRect/>
+          </a:stretch>
+        </p:blipFill>
+        <p:spPr>
+          <a:xfrm>
+            <a:off x="8284201" y="1126006"/>
+            <a:ext cx="1391758" cy="1386343"/>
+          </a:xfrm>
+          <a:prstGeom prst="rect">
+            <a:avLst/>
+          </a:prstGeom>
+        </p:spPr>
+      </p:pic>
     </p:spTree>
     <p:extLst>
       <p:ext uri="{BB962C8B-B14F-4D97-AF65-F5344CB8AC3E}">
@@ -5179,7 +7014,7 @@
           <a:lstStyle/>
           <a:p>
             <a:r>
-              <a:rPr lang="en-US" sz="4400" b="1">
+              <a:rPr lang="en-US" sz="4400" b="1" dirty="0">
                 <a:solidFill>
                   <a:schemeClr val="accent1"/>
                 </a:solidFill>
@@ -5188,7 +7023,7 @@
               </a:rPr>
               <a:t>Proposed Solution</a:t>
             </a:r>
-            <a:endParaRPr lang="en-US" sz="4400"/>
+            <a:endParaRPr lang="en-US" sz="4400" dirty="0"/>
           </a:p>
         </p:txBody>
       </p:sp>
@@ -5210,8 +7045,8 @@
         </p:nvSpPr>
         <p:spPr>
           <a:xfrm>
-            <a:off x="441671" y="1087378"/>
-            <a:ext cx="11613485" cy="5563973"/>
+            <a:off x="310523" y="1924492"/>
+            <a:ext cx="11193906" cy="5444277"/>
           </a:xfrm>
         </p:spPr>
         <p:txBody>
@@ -5221,273 +7056,359 @@
           <a:lstStyle/>
           <a:p>
             <a:pPr marL="305435" indent="-305435"/>
-            <a:endParaRPr lang="en-IN" sz="1200" b="1">
-              <a:latin typeface="Calibri"/>
-              <a:cs typeface="Calibri"/>
+            <a:r>
+              <a:rPr lang="en-US" sz="1600" b="1" i="0" dirty="0">
+                <a:solidFill>
+                  <a:srgbClr val="29261B"/>
+                </a:solidFill>
+                <a:effectLst/>
+                <a:latin typeface="system-ui"/>
+              </a:rPr>
+              <a:t>The proposed </a:t>
+            </a:r>
+            <a:r>
+              <a:rPr lang="en-US" sz="1600" b="1" i="0" dirty="0" err="1">
+                <a:solidFill>
+                  <a:srgbClr val="29261B"/>
+                </a:solidFill>
+                <a:effectLst/>
+                <a:latin typeface="system-ui"/>
+              </a:rPr>
+              <a:t>Tkinter</a:t>
+            </a:r>
+            <a:r>
+              <a:rPr lang="en-US" sz="1600" b="1" i="0" dirty="0">
+                <a:solidFill>
+                  <a:srgbClr val="29261B"/>
+                </a:solidFill>
+                <a:effectLst/>
+                <a:latin typeface="system-ui"/>
+              </a:rPr>
+              <a:t> GUI application aims to provide a user-friendly solution for steganography, enabling users to encode and decode secret messages within image files. The application will leverage data analytics and image processing techniques to conceal and extract hidden information accurately. The solution will consist of the following components:</a:t>
+            </a:r>
+          </a:p>
+          <a:p>
+            <a:pPr marL="305435" indent="-305435"/>
+            <a:r>
+              <a:rPr lang="en-IN" sz="1600" b="1" i="0" dirty="0">
+                <a:solidFill>
+                  <a:srgbClr val="29261B"/>
+                </a:solidFill>
+                <a:effectLst/>
+                <a:latin typeface="system-ui"/>
+              </a:rPr>
+              <a:t>User Interface:</a:t>
+            </a:r>
+            <a:endParaRPr lang="en-US" sz="1600" b="1" dirty="0">
+              <a:solidFill>
+                <a:srgbClr val="29261B"/>
+              </a:solidFill>
+              <a:latin typeface="system-ui"/>
             </a:endParaRPr>
           </a:p>
           <a:p>
+            <a:pPr marL="324000" lvl="1" indent="0">
+              <a:buNone/>
+            </a:pPr>
+            <a:r>
+              <a:rPr lang="en-US" sz="1600" b="1" i="0" dirty="0">
+                <a:solidFill>
+                  <a:srgbClr val="29261B"/>
+                </a:solidFill>
+                <a:effectLst/>
+                <a:latin typeface="system-ui"/>
+              </a:rPr>
+              <a:t>Develop a clean and intuitive graphical user interface (GUI) using the </a:t>
+            </a:r>
+            <a:r>
+              <a:rPr lang="en-US" sz="1600" b="1" i="0" dirty="0" err="1">
+                <a:solidFill>
+                  <a:srgbClr val="29261B"/>
+                </a:solidFill>
+                <a:effectLst/>
+                <a:latin typeface="system-ui"/>
+              </a:rPr>
+              <a:t>Tkinter</a:t>
+            </a:r>
+            <a:r>
+              <a:rPr lang="en-US" sz="1600" b="1" i="0" dirty="0">
+                <a:solidFill>
+                  <a:srgbClr val="29261B"/>
+                </a:solidFill>
+                <a:effectLst/>
+                <a:latin typeface="system-ui"/>
+              </a:rPr>
+              <a:t> library.</a:t>
+            </a:r>
+            <a:r>
+              <a:rPr lang="en-US" sz="1600" b="0" i="0" dirty="0">
+                <a:solidFill>
+                  <a:srgbClr val="29261B"/>
+                </a:solidFill>
+                <a:effectLst/>
+                <a:latin typeface="system-ui"/>
+              </a:rPr>
+              <a:t> </a:t>
+            </a:r>
+            <a:endParaRPr lang="en-US" sz="1600" dirty="0">
+              <a:solidFill>
+                <a:srgbClr val="29261B"/>
+              </a:solidFill>
+              <a:latin typeface="system-ui"/>
+            </a:endParaRPr>
+          </a:p>
+          <a:p>
+            <a:pPr marL="324000" lvl="1" indent="0">
+              <a:buNone/>
+            </a:pPr>
+            <a:r>
+              <a:rPr lang="en-US" sz="1600" b="1" i="0" dirty="0">
+                <a:solidFill>
+                  <a:srgbClr val="29261B"/>
+                </a:solidFill>
+                <a:effectLst/>
+                <a:latin typeface="system-ui"/>
+              </a:rPr>
+              <a:t>Implement necessary UI elements such as buttons, text boxes, and file dialogs for user interactions.</a:t>
+            </a:r>
+          </a:p>
+          <a:p>
             <a:pPr marL="305435" indent="-305435"/>
             <a:r>
-              <a:rPr lang="en-IN" sz="1200" b="1">
-                <a:latin typeface="Calibri"/>
-                <a:ea typeface="+mn-lt"/>
-                <a:cs typeface="+mn-lt"/>
-              </a:rPr>
-              <a:t>The proposed system aims to address the challenge of predicting the required bike count at each hour to ensure a stable supply of rental bikes. This involves leveraging data analytics and machine learning techniques to forecast demand patterns accurately. The solution will consist of the following components:</a:t>
-            </a:r>
-            <a:endParaRPr lang="en-IN" sz="1200" b="1">
-              <a:latin typeface="Calibri"/>
-              <a:cs typeface="Calibri"/>
+              <a:rPr lang="en-IN" sz="1600" b="1" i="0" dirty="0">
+                <a:solidFill>
+                  <a:srgbClr val="29261B"/>
+                </a:solidFill>
+                <a:effectLst/>
+                <a:latin typeface="system-ui"/>
+              </a:rPr>
+              <a:t>Image Selection:</a:t>
+            </a:r>
+            <a:endParaRPr lang="en-US" sz="1600" b="1" dirty="0">
+              <a:solidFill>
+                <a:srgbClr val="29261B"/>
+              </a:solidFill>
+              <a:latin typeface="system-ui"/>
             </a:endParaRPr>
           </a:p>
           <a:p>
+            <a:pPr marL="324000" lvl="1" indent="0">
+              <a:buNone/>
+            </a:pPr>
+            <a:r>
+              <a:rPr lang="en-US" sz="1600" b="1" dirty="0">
+                <a:solidFill>
+                  <a:srgbClr val="29261B"/>
+                </a:solidFill>
+                <a:latin typeface="system-ui"/>
+              </a:rPr>
+              <a:t>Allow users to select an image file from their file system for encoding or decoding.</a:t>
+            </a:r>
+          </a:p>
+          <a:p>
+            <a:pPr marL="324000" lvl="1" indent="0">
+              <a:buNone/>
+            </a:pPr>
+            <a:r>
+              <a:rPr lang="en-US" sz="1600" b="1" i="0" dirty="0">
+                <a:solidFill>
+                  <a:srgbClr val="29261B"/>
+                </a:solidFill>
+                <a:effectLst/>
+                <a:latin typeface="system-ui"/>
+              </a:rPr>
+              <a:t>Validate the selected file to ensure it is an image in a supported format (e.g., PNG, JPEG).</a:t>
+            </a:r>
+          </a:p>
+          <a:p>
             <a:pPr marL="305435" indent="-305435"/>
             <a:r>
-              <a:rPr lang="en-IN" sz="1200" b="1">
-                <a:latin typeface="Calibri"/>
-                <a:ea typeface="+mn-lt"/>
-                <a:cs typeface="+mn-lt"/>
-              </a:rPr>
-              <a:t>Data Collection:</a:t>
-            </a:r>
-            <a:endParaRPr lang="en-IN" sz="1200" b="1">
-              <a:latin typeface="Calibri"/>
-              <a:cs typeface="Calibri"/>
+              <a:rPr lang="en-IN" sz="1600" b="1" i="0" dirty="0">
+                <a:solidFill>
+                  <a:srgbClr val="29261B"/>
+                </a:solidFill>
+                <a:effectLst/>
+                <a:latin typeface="system-ui"/>
+              </a:rPr>
+              <a:t>Message Handling:</a:t>
+            </a:r>
+            <a:endParaRPr lang="en-US" sz="1600" b="1" dirty="0">
+              <a:solidFill>
+                <a:srgbClr val="29261B"/>
+              </a:solidFill>
+              <a:latin typeface="system-ui"/>
             </a:endParaRPr>
           </a:p>
           <a:p>
-            <a:pPr marL="629920" lvl="1" indent="-305435"/>
-            <a:r>
-              <a:rPr lang="en-IN" sz="1200" b="1">
-                <a:latin typeface="Calibri"/>
-                <a:ea typeface="+mn-lt"/>
-                <a:cs typeface="+mn-lt"/>
-              </a:rPr>
-              <a:t>Gather historical data on bike rentals, including time, date, location, and other relevant factors.</a:t>
-            </a:r>
-            <a:endParaRPr lang="en-IN" sz="1200" b="1">
-              <a:latin typeface="Calibri"/>
-              <a:cs typeface="Calibri"/>
+            <a:pPr marL="324000" lvl="1" indent="0">
+              <a:buNone/>
+            </a:pPr>
+            <a:r>
+              <a:rPr lang="en-US" sz="1600" b="1" dirty="0">
+                <a:solidFill>
+                  <a:srgbClr val="29261B"/>
+                </a:solidFill>
+                <a:latin typeface="system-ui"/>
+              </a:rPr>
+              <a:t>Provide a text box or text area for users to enter the secret message they want to encode or decode.</a:t>
+            </a:r>
+          </a:p>
+          <a:p>
+            <a:pPr marL="324000" lvl="1" indent="0">
+              <a:buNone/>
+            </a:pPr>
+            <a:r>
+              <a:rPr lang="en-US" sz="1600" b="1" i="0" dirty="0">
+                <a:solidFill>
+                  <a:srgbClr val="29261B"/>
+                </a:solidFill>
+                <a:effectLst/>
+                <a:latin typeface="system-ui"/>
+              </a:rPr>
+              <a:t>Implement character limit restrictions or guidelines if necessary.</a:t>
+            </a:r>
+          </a:p>
+          <a:p>
+            <a:pPr algn="l"/>
+            <a:r>
+              <a:rPr lang="en-US" sz="1600" b="1" i="0" dirty="0">
+                <a:solidFill>
+                  <a:srgbClr val="29261B"/>
+                </a:solidFill>
+                <a:effectLst/>
+                <a:latin typeface="system-ui"/>
+              </a:rPr>
+              <a:t>Steganography Implementation:</a:t>
+            </a:r>
+            <a:endParaRPr lang="en-US" sz="1600" b="0" i="0" dirty="0">
+              <a:solidFill>
+                <a:srgbClr val="29261B"/>
+              </a:solidFill>
+              <a:effectLst/>
+              <a:latin typeface="system-ui"/>
             </a:endParaRPr>
           </a:p>
           <a:p>
-            <a:pPr marL="629920" lvl="1" indent="-305435"/>
-            <a:r>
-              <a:rPr lang="en-IN" sz="1200" b="1">
-                <a:latin typeface="Calibri"/>
-                <a:ea typeface="+mn-lt"/>
-                <a:cs typeface="+mn-lt"/>
-              </a:rPr>
-              <a:t>Utilize real-time data sources, such as weather conditions, events, and holidays, to enhance prediction accuracy.</a:t>
-            </a:r>
-            <a:endParaRPr lang="en-IN" sz="1200" b="1">
-              <a:latin typeface="Calibri"/>
-              <a:cs typeface="Calibri"/>
+            <a:pPr marL="0" indent="0" algn="l">
+              <a:buNone/>
+            </a:pPr>
+            <a:r>
+              <a:rPr lang="en-US" sz="1600" dirty="0">
+                <a:solidFill>
+                  <a:srgbClr val="29261B"/>
+                </a:solidFill>
+                <a:latin typeface="system-ui"/>
+              </a:rPr>
+              <a:t>	</a:t>
+            </a:r>
+            <a:r>
+              <a:rPr lang="en-US" sz="1600" b="1" i="0" dirty="0">
+                <a:solidFill>
+                  <a:srgbClr val="29261B"/>
+                </a:solidFill>
+                <a:effectLst/>
+                <a:latin typeface="system-ui"/>
+              </a:rPr>
+              <a:t>Develop functions to encode and decode secret messages using steganography techniques.</a:t>
+            </a:r>
+            <a:r>
+              <a:rPr lang="en-US" sz="1600" b="0" i="0" dirty="0">
+                <a:solidFill>
+                  <a:srgbClr val="29261B"/>
+                </a:solidFill>
+                <a:effectLst/>
+                <a:latin typeface="system-ui"/>
+              </a:rPr>
+              <a:t> ¡</a:t>
+            </a:r>
+            <a:r>
+              <a:rPr lang="en-US" sz="1600" b="1" i="0" dirty="0">
+                <a:solidFill>
+                  <a:srgbClr val="29261B"/>
+                </a:solidFill>
+                <a:effectLst/>
+                <a:latin typeface="system-ui"/>
+              </a:rPr>
+              <a:t>Implement the Least Significant 	Bit (LSB) technique, where the least significant bits of image pixels store encoded data.</a:t>
+            </a:r>
+            <a:r>
+              <a:rPr lang="en-US" sz="1600" b="0" i="0" dirty="0">
+                <a:solidFill>
+                  <a:srgbClr val="29261B"/>
+                </a:solidFill>
+                <a:effectLst/>
+                <a:latin typeface="system-ui"/>
+              </a:rPr>
+              <a:t> ¡</a:t>
+            </a:r>
+            <a:r>
+              <a:rPr lang="en-US" sz="1600" b="1" i="0" dirty="0">
+                <a:solidFill>
+                  <a:srgbClr val="29261B"/>
+                </a:solidFill>
+                <a:effectLst/>
+                <a:latin typeface="system-ui"/>
+              </a:rPr>
+              <a:t>Ensure the visual integrity of the 	original image is maintained as much as possible after encoding.</a:t>
+            </a:r>
+          </a:p>
+          <a:p>
+            <a:pPr marL="324000" lvl="1" indent="0">
+              <a:buNone/>
+            </a:pPr>
+            <a:endParaRPr lang="en-US" sz="1600" b="1" i="0" dirty="0">
+              <a:solidFill>
+                <a:srgbClr val="29261B"/>
+              </a:solidFill>
+              <a:effectLst/>
+              <a:latin typeface="system-ui"/>
             </a:endParaRPr>
           </a:p>
           <a:p>
-            <a:pPr marL="305435" indent="-305435"/>
-            <a:r>
-              <a:rPr lang="en-IN" sz="1200" b="1">
-                <a:latin typeface="Calibri"/>
-                <a:ea typeface="+mn-lt"/>
-                <a:cs typeface="+mn-lt"/>
-              </a:rPr>
-              <a:t>Data Preprocessing:</a:t>
-            </a:r>
-            <a:endParaRPr lang="en-IN" sz="1200" b="1">
-              <a:latin typeface="Calibri"/>
-              <a:cs typeface="Calibri"/>
+            <a:pPr marL="324000" lvl="1" indent="0">
+              <a:buNone/>
+            </a:pPr>
+            <a:r>
+              <a:rPr lang="en-US" sz="1600" b="1" dirty="0">
+                <a:solidFill>
+                  <a:srgbClr val="29261B"/>
+                </a:solidFill>
+                <a:latin typeface="system-ui"/>
+              </a:rPr>
+              <a:t>	</a:t>
+            </a:r>
+            <a:endParaRPr lang="en-US" sz="1600" b="1" i="0" dirty="0">
+              <a:solidFill>
+                <a:srgbClr val="29261B"/>
+              </a:solidFill>
+              <a:effectLst/>
+              <a:latin typeface="system-ui"/>
             </a:endParaRPr>
-          </a:p>
-          <a:p>
-            <a:pPr marL="629920" lvl="1" indent="-305435"/>
-            <a:r>
-              <a:rPr lang="en-IN" sz="1200" b="1">
-                <a:latin typeface="Calibri"/>
-                <a:ea typeface="+mn-lt"/>
-                <a:cs typeface="+mn-lt"/>
-              </a:rPr>
-              <a:t>Clean and preprocess the collected data to handle missing values, outliers, and inconsistencies.</a:t>
-            </a:r>
-            <a:endParaRPr lang="en-IN" sz="1200" b="1">
-              <a:latin typeface="Calibri"/>
-              <a:cs typeface="Calibri"/>
-            </a:endParaRPr>
-          </a:p>
-          <a:p>
-            <a:pPr marL="629920" lvl="1" indent="-305435"/>
-            <a:r>
-              <a:rPr lang="en-IN" sz="1200" b="1">
-                <a:latin typeface="Calibri"/>
-                <a:ea typeface="+mn-lt"/>
-                <a:cs typeface="+mn-lt"/>
-              </a:rPr>
-              <a:t>Feature engineering to extract relevant features from the data that might impact bike demand.</a:t>
-            </a:r>
-            <a:endParaRPr lang="en-IN" sz="1200" b="1">
-              <a:latin typeface="Calibri"/>
-              <a:cs typeface="Calibri"/>
-            </a:endParaRPr>
-          </a:p>
-          <a:p>
-            <a:pPr marL="305435" indent="-305435"/>
-            <a:r>
-              <a:rPr lang="en-IN" sz="1200" b="1">
-                <a:latin typeface="Calibri"/>
-                <a:ea typeface="+mn-lt"/>
-                <a:cs typeface="+mn-lt"/>
-              </a:rPr>
-              <a:t>Machine Learning Algorithm:</a:t>
-            </a:r>
-            <a:endParaRPr lang="en-IN" sz="1200" b="1">
-              <a:latin typeface="Calibri"/>
-              <a:cs typeface="Calibri"/>
-            </a:endParaRPr>
-          </a:p>
-          <a:p>
-            <a:pPr marL="629920" lvl="1" indent="-305435"/>
-            <a:r>
-              <a:rPr lang="en-IN" sz="1200" b="1">
-                <a:latin typeface="Calibri"/>
-                <a:ea typeface="+mn-lt"/>
-                <a:cs typeface="+mn-lt"/>
-              </a:rPr>
-              <a:t>Implement a machine learning algorithm, such as a time-series forecasting model (e.g., ARIMA, SARIMA, or LSTM), to predict bike counts based on historical patterns.</a:t>
-            </a:r>
-            <a:endParaRPr lang="en-IN" sz="1200" b="1">
-              <a:latin typeface="Calibri"/>
-              <a:cs typeface="Calibri"/>
-            </a:endParaRPr>
-          </a:p>
-          <a:p>
-            <a:pPr marL="629920" lvl="1" indent="-305435"/>
-            <a:r>
-              <a:rPr lang="en-IN" sz="1200" b="1">
-                <a:latin typeface="Calibri"/>
-                <a:ea typeface="+mn-lt"/>
-                <a:cs typeface="+mn-lt"/>
-              </a:rPr>
-              <a:t>Consider incorporating other factors like weather conditions, day of the week, and special events to improve prediction accuracy.</a:t>
-            </a:r>
-            <a:endParaRPr lang="en-IN" sz="1200" b="1">
-              <a:latin typeface="Calibri"/>
-              <a:cs typeface="Calibri"/>
-            </a:endParaRPr>
-          </a:p>
-          <a:p>
-            <a:pPr marL="305435" indent="-305435"/>
-            <a:r>
-              <a:rPr lang="en-IN" sz="1200" b="1">
-                <a:latin typeface="Calibri"/>
-                <a:ea typeface="+mn-lt"/>
-                <a:cs typeface="+mn-lt"/>
-              </a:rPr>
-              <a:t>Deployment:</a:t>
-            </a:r>
-            <a:endParaRPr lang="en-IN" sz="1200" b="1">
-              <a:latin typeface="Calibri"/>
-              <a:cs typeface="Calibri"/>
-            </a:endParaRPr>
-          </a:p>
-          <a:p>
-            <a:pPr marL="629920" lvl="1" indent="-305435"/>
-            <a:r>
-              <a:rPr lang="en-IN" sz="1200" b="1">
-                <a:latin typeface="Calibri"/>
-                <a:ea typeface="+mn-lt"/>
-                <a:cs typeface="+mn-lt"/>
-              </a:rPr>
-              <a:t>Develop a user-friendly interface or application that provides real-time predictions for bike counts at different hours.</a:t>
-            </a:r>
-            <a:endParaRPr lang="en-IN" sz="1200" b="1">
-              <a:latin typeface="Calibri"/>
-              <a:cs typeface="Calibri"/>
-            </a:endParaRPr>
-          </a:p>
-          <a:p>
-            <a:pPr marL="629920" lvl="1" indent="-305435"/>
-            <a:r>
-              <a:rPr lang="en-IN" sz="1200" b="1">
-                <a:latin typeface="Calibri"/>
-                <a:ea typeface="+mn-lt"/>
-                <a:cs typeface="+mn-lt"/>
-              </a:rPr>
-              <a:t>Deploy the solution on a scalable and reliable platform, considering factors like server infrastructure, response time, and user accessibility.</a:t>
-            </a:r>
-            <a:endParaRPr lang="en-IN" sz="1200" b="1">
-              <a:latin typeface="Calibri"/>
-              <a:cs typeface="Calibri"/>
-            </a:endParaRPr>
-          </a:p>
-          <a:p>
-            <a:pPr marL="305435" indent="-305435"/>
-            <a:r>
-              <a:rPr lang="en-IN" sz="1200" b="1">
-                <a:latin typeface="Calibri"/>
-                <a:ea typeface="+mn-lt"/>
-                <a:cs typeface="+mn-lt"/>
-              </a:rPr>
-              <a:t>Evaluation:</a:t>
-            </a:r>
-            <a:endParaRPr lang="en-IN" sz="1200" b="1">
-              <a:latin typeface="Calibri"/>
-              <a:cs typeface="Calibri"/>
-            </a:endParaRPr>
-          </a:p>
-          <a:p>
-            <a:pPr marL="629920" lvl="1" indent="-305435"/>
-            <a:r>
-              <a:rPr lang="en-IN" sz="1200" b="1">
-                <a:latin typeface="Calibri"/>
-                <a:ea typeface="+mn-lt"/>
-                <a:cs typeface="+mn-lt"/>
-              </a:rPr>
-              <a:t>Assess the model's performance using appropriate metrics such as Mean Absolute Error (MAE), Root Mean Squared Error (RMSE), or other relevant metrics.</a:t>
-            </a:r>
-            <a:endParaRPr lang="en-IN" sz="1200" b="1">
-              <a:latin typeface="Calibri"/>
-              <a:cs typeface="Calibri"/>
-            </a:endParaRPr>
-          </a:p>
-          <a:p>
-            <a:pPr marL="629920" lvl="1" indent="-305435"/>
-            <a:r>
-              <a:rPr lang="en-IN" sz="1200" b="1">
-                <a:latin typeface="Calibri"/>
-                <a:ea typeface="+mn-lt"/>
-                <a:cs typeface="+mn-lt"/>
-              </a:rPr>
-              <a:t>Fine-tune the model based on feedback and continuous monitoring of prediction accuracy.</a:t>
-            </a:r>
-            <a:endParaRPr lang="en-IN" sz="1200" b="1">
-              <a:latin typeface="Calibri"/>
-            </a:endParaRPr>
-          </a:p>
-          <a:p>
-            <a:pPr marL="629920" lvl="1" indent="-305435"/>
-            <a:r>
-              <a:rPr lang="en-IN" sz="1200">
-                <a:ea typeface="+mn-lt"/>
-                <a:cs typeface="+mn-lt"/>
-              </a:rPr>
-              <a:t>Result:</a:t>
-            </a:r>
-            <a:endParaRPr lang="en-IN" sz="1200"/>
           </a:p>
           <a:p>
             <a:pPr marL="0" indent="0">
               <a:buNone/>
             </a:pPr>
-            <a:endParaRPr lang="en-IN"/>
+            <a:endParaRPr lang="en-US" sz="1600" b="1" i="0" dirty="0">
+              <a:solidFill>
+                <a:srgbClr val="29261B"/>
+              </a:solidFill>
+              <a:effectLst/>
+              <a:latin typeface="system-ui"/>
+            </a:endParaRPr>
+          </a:p>
+          <a:p>
+            <a:pPr marL="0" indent="0">
+              <a:buNone/>
+            </a:pPr>
+            <a:endParaRPr lang="en-IN" sz="2000" dirty="0"/>
           </a:p>
         </p:txBody>
       </p:sp>
     </p:spTree>
     <p:extLst>
       <p:ext uri="{BB962C8B-B14F-4D97-AF65-F5344CB8AC3E}">
-        <p14:creationId xmlns:p14="http://schemas.microsoft.com/office/powerpoint/2010/main" val="3210358481"/>
+        <p14:creationId xmlns:p14="http://schemas.microsoft.com/office/powerpoint/2010/main" val="1380614264"/>
       </p:ext>
     </p:extLst>
   </p:cSld>
@@ -5530,12 +7451,7 @@
             <p:ph type="title"/>
           </p:nvPr>
         </p:nvSpPr>
-        <p:spPr>
-          <a:xfrm>
-            <a:off x="581192" y="662572"/>
-            <a:ext cx="11029616" cy="530296"/>
-          </a:xfrm>
-        </p:spPr>
+        <p:spPr/>
         <p:txBody>
           <a:bodyPr>
             <a:normAutofit fontScale="90000"/>
@@ -5543,23 +7459,16 @@
           <a:lstStyle/>
           <a:p>
             <a:r>
-              <a:rPr lang="en-US" sz="4400" b="1">
+              <a:rPr lang="en-US" sz="4400" b="1" dirty="0">
                 <a:solidFill>
                   <a:schemeClr val="accent1"/>
                 </a:solidFill>
-                <a:latin typeface="Arial"/>
-                <a:ea typeface="+mj-lt"/>
-                <a:cs typeface="Arial"/>
-              </a:rPr>
-              <a:t>System  Approach</a:t>
-            </a:r>
-            <a:endParaRPr lang="en-US" sz="4400">
-              <a:solidFill>
-                <a:schemeClr val="accent1"/>
-              </a:solidFill>
-              <a:latin typeface="Calibri Light"/>
-              <a:cs typeface="Calibri Light"/>
-            </a:endParaRPr>
+                <a:latin typeface="Arial" panose="020B0604020202020204" pitchFamily="34" charset="0"/>
+                <a:cs typeface="Arial" panose="020B0604020202020204" pitchFamily="34" charset="0"/>
+              </a:rPr>
+              <a:t>Proposed Solution</a:t>
+            </a:r>
+            <a:endParaRPr lang="en-US" sz="4400" dirty="0"/>
           </a:p>
         </p:txBody>
       </p:sp>
@@ -5568,7 +7477,7 @@
           <p:cNvPr id="2" name="Content Placeholder 1">
             <a:extLst>
               <a:ext uri="{FF2B5EF4-FFF2-40B4-BE49-F238E27FC236}">
-                <a16:creationId xmlns:a16="http://schemas.microsoft.com/office/drawing/2014/main" id="{C4FFAF3C-BA60-9181-132C-C36C403AAEA7}"/>
+                <a16:creationId xmlns:a16="http://schemas.microsoft.com/office/drawing/2014/main" id="{E041FD9D-DF07-9C37-1E61-1D920E0EF1D4}"/>
               </a:ext>
             </a:extLst>
           </p:cNvPr>
@@ -5579,54 +7488,417 @@
             <p:ph idx="1"/>
           </p:nvPr>
         </p:nvSpPr>
-        <p:spPr/>
-        <p:txBody>
-          <a:bodyPr/>
+        <p:spPr>
+          <a:xfrm>
+            <a:off x="289258" y="1232451"/>
+            <a:ext cx="11193906" cy="4923393"/>
+          </a:xfrm>
+        </p:spPr>
+        <p:txBody>
+          <a:bodyPr vert="horz" lIns="91440" tIns="45720" rIns="91440" bIns="45720" rtlCol="0" anchor="ctr">
+            <a:noAutofit/>
+          </a:bodyPr>
           <a:lstStyle/>
           <a:p>
-            <a:pPr marL="0" indent="0">
+            <a:pPr algn="l"/>
+            <a:endParaRPr lang="en-US" sz="1600" b="0" i="0" dirty="0">
+              <a:solidFill>
+                <a:srgbClr val="29261B"/>
+              </a:solidFill>
+              <a:effectLst/>
+              <a:latin typeface="system-ui"/>
+            </a:endParaRPr>
+          </a:p>
+          <a:p>
+            <a:pPr algn="l"/>
+            <a:r>
+              <a:rPr lang="en-US" sz="1600" b="1" i="0" dirty="0">
+                <a:solidFill>
+                  <a:srgbClr val="29261B"/>
+                </a:solidFill>
+                <a:effectLst/>
+                <a:latin typeface="system-ui"/>
+              </a:rPr>
+              <a:t>Encoding Process:</a:t>
+            </a:r>
+            <a:endParaRPr lang="en-US" sz="1600" b="0" i="0" dirty="0">
+              <a:solidFill>
+                <a:srgbClr val="29261B"/>
+              </a:solidFill>
+              <a:effectLst/>
+              <a:latin typeface="system-ui"/>
+            </a:endParaRPr>
+          </a:p>
+          <a:p>
+            <a:pPr marL="0" indent="0" algn="l">
               <a:buNone/>
             </a:pPr>
             <a:r>
-              <a:rPr lang="en-IN" sz="1800" b="1">
-                <a:solidFill>
-                  <a:srgbClr val="0F0F0F"/>
-                </a:solidFill>
-                <a:ea typeface="+mn-lt"/>
-                <a:cs typeface="+mn-lt"/>
-              </a:rPr>
-              <a:t>The "System Approach" section outlines the overall strategy and methodology for developing and implementing the rental bike prediction system. Here's a suggested structure for this section:</a:t>
-            </a:r>
-            <a:endParaRPr lang="en-US"/>
-          </a:p>
-          <a:p>
-            <a:pPr marL="305435" indent="-305435"/>
-            <a:r>
-              <a:rPr lang="en-IN" sz="1800" b="1">
-                <a:solidFill>
-                  <a:srgbClr val="0F0F0F"/>
-                </a:solidFill>
-              </a:rPr>
-              <a:t>System requirements</a:t>
-            </a:r>
-          </a:p>
-          <a:p>
-            <a:pPr marL="305435" indent="-305435"/>
-            <a:r>
-              <a:rPr lang="en-IN" sz="1800" b="1">
-                <a:solidFill>
-                  <a:srgbClr val="0F0F0F"/>
-                </a:solidFill>
-              </a:rPr>
-              <a:t>Library required to build the model</a:t>
-            </a:r>
+              <a:rPr lang="en-US" sz="1600" b="1" i="0" dirty="0">
+                <a:solidFill>
+                  <a:srgbClr val="29261B"/>
+                </a:solidFill>
+                <a:effectLst/>
+                <a:latin typeface="system-ui"/>
+              </a:rPr>
+              <a:t>	Implement a function to handle the encoding process.</a:t>
+            </a:r>
+            <a:r>
+              <a:rPr lang="en-US" sz="1600" b="0" i="0" dirty="0">
+                <a:solidFill>
+                  <a:srgbClr val="29261B"/>
+                </a:solidFill>
+                <a:effectLst/>
+                <a:latin typeface="system-ui"/>
+              </a:rPr>
+              <a:t> ¡</a:t>
+            </a:r>
+            <a:r>
+              <a:rPr lang="en-US" sz="1600" b="1" i="0" dirty="0">
+                <a:solidFill>
+                  <a:srgbClr val="29261B"/>
+                </a:solidFill>
+                <a:effectLst/>
+                <a:latin typeface="system-ui"/>
+              </a:rPr>
+              <a:t>Call the steganography encoding function with the selected image 	and user-provided secret message.</a:t>
+            </a:r>
+            <a:r>
+              <a:rPr lang="en-US" sz="1600" b="0" i="0" dirty="0">
+                <a:solidFill>
+                  <a:srgbClr val="29261B"/>
+                </a:solidFill>
+                <a:effectLst/>
+                <a:latin typeface="system-ui"/>
+              </a:rPr>
+              <a:t> </a:t>
+            </a:r>
+          </a:p>
+          <a:p>
+            <a:pPr marL="0" indent="0" algn="l">
+              <a:buNone/>
+            </a:pPr>
+            <a:r>
+              <a:rPr lang="en-US" sz="1600" dirty="0">
+                <a:solidFill>
+                  <a:srgbClr val="29261B"/>
+                </a:solidFill>
+                <a:latin typeface="system-ui"/>
+              </a:rPr>
+              <a:t>	</a:t>
+            </a:r>
+            <a:r>
+              <a:rPr lang="en-US" sz="1600" b="1" i="0" dirty="0">
+                <a:solidFill>
+                  <a:srgbClr val="29261B"/>
+                </a:solidFill>
+                <a:effectLst/>
+                <a:latin typeface="system-ui"/>
+              </a:rPr>
+              <a:t>Prompt the user to save the encoded image file with a new name or location.</a:t>
+            </a:r>
+            <a:r>
+              <a:rPr lang="en-US" sz="1600" b="0" i="0" dirty="0">
+                <a:solidFill>
+                  <a:srgbClr val="29261B"/>
+                </a:solidFill>
+                <a:effectLst/>
+                <a:latin typeface="system-ui"/>
+              </a:rPr>
+              <a:t> </a:t>
+            </a:r>
+          </a:p>
+          <a:p>
+            <a:pPr marL="0" indent="0" algn="l">
+              <a:buNone/>
+            </a:pPr>
+            <a:r>
+              <a:rPr lang="en-US" sz="1600" dirty="0">
+                <a:solidFill>
+                  <a:srgbClr val="29261B"/>
+                </a:solidFill>
+                <a:latin typeface="system-ui"/>
+              </a:rPr>
+              <a:t>	</a:t>
+            </a:r>
+            <a:r>
+              <a:rPr lang="en-US" sz="1600" b="1" i="0" dirty="0">
+                <a:solidFill>
+                  <a:srgbClr val="29261B"/>
+                </a:solidFill>
+                <a:effectLst/>
+                <a:latin typeface="system-ui"/>
+              </a:rPr>
+              <a:t>Display appropriate success or error messages to the user.</a:t>
+            </a:r>
+            <a:endParaRPr lang="en-US" sz="1600" b="0" i="0" dirty="0">
+              <a:solidFill>
+                <a:srgbClr val="29261B"/>
+              </a:solidFill>
+              <a:effectLst/>
+              <a:latin typeface="system-ui"/>
+            </a:endParaRPr>
+          </a:p>
+          <a:p>
+            <a:pPr algn="l"/>
+            <a:r>
+              <a:rPr lang="en-US" sz="1600" b="1" i="0" dirty="0">
+                <a:solidFill>
+                  <a:srgbClr val="29261B"/>
+                </a:solidFill>
+                <a:effectLst/>
+                <a:latin typeface="system-ui"/>
+              </a:rPr>
+              <a:t>Decoding Process:</a:t>
+            </a:r>
+            <a:endParaRPr lang="en-US" sz="1600" b="0" i="0" dirty="0">
+              <a:solidFill>
+                <a:srgbClr val="29261B"/>
+              </a:solidFill>
+              <a:effectLst/>
+              <a:latin typeface="system-ui"/>
+            </a:endParaRPr>
+          </a:p>
+          <a:p>
+            <a:pPr marL="0" indent="0" algn="l">
+              <a:buNone/>
+            </a:pPr>
+            <a:r>
+              <a:rPr lang="en-US" sz="1600" b="1" i="0" dirty="0">
+                <a:solidFill>
+                  <a:srgbClr val="29261B"/>
+                </a:solidFill>
+                <a:effectLst/>
+                <a:latin typeface="system-ui"/>
+              </a:rPr>
+              <a:t>	Implement a function to handle the decoding process.</a:t>
+            </a:r>
+            <a:r>
+              <a:rPr lang="en-US" sz="1600" b="0" i="0" dirty="0">
+                <a:solidFill>
+                  <a:srgbClr val="29261B"/>
+                </a:solidFill>
+                <a:effectLst/>
+                <a:latin typeface="system-ui"/>
+              </a:rPr>
+              <a:t> </a:t>
+            </a:r>
+          </a:p>
+          <a:p>
+            <a:pPr marL="0" indent="0" algn="l">
+              <a:buNone/>
+            </a:pPr>
+            <a:r>
+              <a:rPr lang="en-US" sz="1600" b="1" i="0" dirty="0">
+                <a:solidFill>
+                  <a:srgbClr val="29261B"/>
+                </a:solidFill>
+                <a:effectLst/>
+                <a:latin typeface="system-ui"/>
+              </a:rPr>
+              <a:t>	Call the steganography decoding function with the selected encoded image file.</a:t>
+            </a:r>
+            <a:r>
+              <a:rPr lang="en-US" sz="1600" b="0" i="0" dirty="0">
+                <a:solidFill>
+                  <a:srgbClr val="29261B"/>
+                </a:solidFill>
+                <a:effectLst/>
+                <a:latin typeface="system-ui"/>
+              </a:rPr>
+              <a:t> </a:t>
+            </a:r>
+          </a:p>
+          <a:p>
+            <a:pPr marL="0" indent="0" algn="l">
+              <a:buNone/>
+            </a:pPr>
+            <a:r>
+              <a:rPr lang="en-US" sz="1600" b="1" i="0" dirty="0">
+                <a:solidFill>
+                  <a:srgbClr val="29261B"/>
+                </a:solidFill>
+                <a:effectLst/>
+                <a:latin typeface="system-ui"/>
+              </a:rPr>
+              <a:t>	Display the decoded secret message to the user in a new window or text box.</a:t>
+            </a:r>
+            <a:r>
+              <a:rPr lang="en-US" sz="1600" b="0" i="0" dirty="0">
+                <a:solidFill>
+                  <a:srgbClr val="29261B"/>
+                </a:solidFill>
+                <a:effectLst/>
+                <a:latin typeface="system-ui"/>
+              </a:rPr>
+              <a:t> </a:t>
+            </a:r>
+            <a:r>
+              <a:rPr lang="en-US" sz="1600" b="1" i="0" dirty="0">
+                <a:solidFill>
+                  <a:srgbClr val="29261B"/>
+                </a:solidFill>
+                <a:effectLst/>
+                <a:latin typeface="system-ui"/>
+              </a:rPr>
+              <a:t>Display appropriate success or error messages 	to the user.</a:t>
+            </a:r>
+            <a:endParaRPr lang="en-US" sz="1600" b="0" i="0" dirty="0">
+              <a:solidFill>
+                <a:srgbClr val="29261B"/>
+              </a:solidFill>
+              <a:effectLst/>
+              <a:latin typeface="system-ui"/>
+            </a:endParaRPr>
+          </a:p>
+          <a:p>
+            <a:pPr algn="l"/>
+            <a:r>
+              <a:rPr lang="en-US" sz="1600" b="1" i="0" dirty="0">
+                <a:solidFill>
+                  <a:srgbClr val="29261B"/>
+                </a:solidFill>
+                <a:effectLst/>
+                <a:latin typeface="system-ui"/>
+              </a:rPr>
+              <a:t>Deployment:</a:t>
+            </a:r>
+            <a:endParaRPr lang="en-US" sz="1600" b="0" i="0" dirty="0">
+              <a:solidFill>
+                <a:srgbClr val="29261B"/>
+              </a:solidFill>
+              <a:effectLst/>
+              <a:latin typeface="system-ui"/>
+            </a:endParaRPr>
+          </a:p>
+          <a:p>
+            <a:pPr marL="0" indent="0" algn="l">
+              <a:buNone/>
+            </a:pPr>
+            <a:r>
+              <a:rPr lang="en-US" sz="1600" dirty="0">
+                <a:solidFill>
+                  <a:srgbClr val="29261B"/>
+                </a:solidFill>
+                <a:latin typeface="system-ui"/>
+              </a:rPr>
+              <a:t>	</a:t>
+            </a:r>
+            <a:r>
+              <a:rPr lang="en-US" sz="1600" b="1" i="0" dirty="0">
+                <a:solidFill>
+                  <a:srgbClr val="29261B"/>
+                </a:solidFill>
+                <a:effectLst/>
+                <a:latin typeface="system-ui"/>
+              </a:rPr>
+              <a:t>Deploy the application as a standalone executable or distribute it as a Python package.</a:t>
+            </a:r>
+            <a:r>
+              <a:rPr lang="en-US" sz="1600" b="0" i="0" dirty="0">
+                <a:solidFill>
+                  <a:srgbClr val="29261B"/>
+                </a:solidFill>
+                <a:effectLst/>
+                <a:latin typeface="system-ui"/>
+              </a:rPr>
+              <a:t> ¡</a:t>
+            </a:r>
+            <a:r>
+              <a:rPr lang="en-US" sz="1600" b="1" i="0" dirty="0">
+                <a:solidFill>
+                  <a:srgbClr val="29261B"/>
+                </a:solidFill>
+                <a:effectLst/>
+                <a:latin typeface="system-ui"/>
+              </a:rPr>
+              <a:t>Ensure the application is compatible 	with different operating systems and configurations.</a:t>
+            </a:r>
+            <a:endParaRPr lang="en-US" sz="1600" b="0" i="0" dirty="0">
+              <a:solidFill>
+                <a:srgbClr val="29261B"/>
+              </a:solidFill>
+              <a:effectLst/>
+              <a:latin typeface="system-ui"/>
+            </a:endParaRPr>
+          </a:p>
+          <a:p>
+            <a:pPr algn="l"/>
+            <a:r>
+              <a:rPr lang="en-US" sz="1600" b="1" i="0" dirty="0">
+                <a:solidFill>
+                  <a:srgbClr val="29261B"/>
+                </a:solidFill>
+                <a:effectLst/>
+                <a:latin typeface="system-ui"/>
+              </a:rPr>
+              <a:t>Evaluation:</a:t>
+            </a:r>
+            <a:endParaRPr lang="en-US" sz="1600" b="0" i="0" dirty="0">
+              <a:solidFill>
+                <a:srgbClr val="29261B"/>
+              </a:solidFill>
+              <a:effectLst/>
+              <a:latin typeface="system-ui"/>
+            </a:endParaRPr>
+          </a:p>
+          <a:p>
+            <a:pPr marL="0" indent="0" algn="l">
+              <a:buNone/>
+            </a:pPr>
+            <a:r>
+              <a:rPr lang="en-US" sz="1600" dirty="0">
+                <a:solidFill>
+                  <a:srgbClr val="29261B"/>
+                </a:solidFill>
+                <a:latin typeface="system-ui"/>
+              </a:rPr>
+              <a:t>	</a:t>
+            </a:r>
+            <a:r>
+              <a:rPr lang="en-US" sz="1600" b="1" i="0" dirty="0">
+                <a:solidFill>
+                  <a:srgbClr val="29261B"/>
+                </a:solidFill>
+                <a:effectLst/>
+                <a:latin typeface="system-ui"/>
+              </a:rPr>
+              <a:t>Assess the application's performance using appropriate metrics, such as encoding/decoding time and accuracy.</a:t>
+            </a:r>
+            <a:r>
+              <a:rPr lang="en-US" sz="1600" b="0" i="0" dirty="0">
+                <a:solidFill>
+                  <a:srgbClr val="29261B"/>
+                </a:solidFill>
+                <a:effectLst/>
+                <a:latin typeface="system-ui"/>
+              </a:rPr>
+              <a:t> ¡</a:t>
+            </a:r>
+            <a:r>
+              <a:rPr lang="en-US" sz="1600" b="1" i="0" dirty="0">
+                <a:solidFill>
+                  <a:srgbClr val="29261B"/>
+                </a:solidFill>
+                <a:effectLst/>
+                <a:latin typeface="system-ui"/>
+              </a:rPr>
+              <a:t>Gather user 	feedback and continuously improve the application's usability and functionality.</a:t>
+            </a:r>
+            <a:endParaRPr lang="en-US" sz="1600" b="0" i="0" dirty="0">
+              <a:solidFill>
+                <a:srgbClr val="29261B"/>
+              </a:solidFill>
+              <a:effectLst/>
+              <a:latin typeface="system-ui"/>
+            </a:endParaRPr>
           </a:p>
         </p:txBody>
       </p:sp>
     </p:spTree>
     <p:extLst>
       <p:ext uri="{BB962C8B-B14F-4D97-AF65-F5344CB8AC3E}">
-        <p14:creationId xmlns:p14="http://schemas.microsoft.com/office/powerpoint/2010/main" val="3202024527"/>
+        <p14:creationId xmlns:p14="http://schemas.microsoft.com/office/powerpoint/2010/main" val="1598084727"/>
       </p:ext>
     </p:extLst>
   </p:cSld>
@@ -5669,7 +7941,12 @@
             <p:ph type="title"/>
           </p:nvPr>
         </p:nvSpPr>
-        <p:spPr/>
+        <p:spPr>
+          <a:xfrm>
+            <a:off x="581192" y="662572"/>
+            <a:ext cx="11029616" cy="530296"/>
+          </a:xfrm>
+        </p:spPr>
         <p:txBody>
           <a:bodyPr>
             <a:normAutofit fontScale="90000"/>
@@ -5685,9 +7962,15 @@
                 <a:ea typeface="+mj-lt"/>
                 <a:cs typeface="Arial"/>
               </a:rPr>
-              <a:t>Algorithm &amp; Deployment</a:t>
-            </a:r>
-            <a:endParaRPr lang="en-US"/>
+              <a:t>System  Approach</a:t>
+            </a:r>
+            <a:endParaRPr lang="en-US" sz="4400">
+              <a:solidFill>
+                <a:schemeClr val="accent1"/>
+              </a:solidFill>
+              <a:latin typeface="Calibri Light"/>
+              <a:cs typeface="Calibri Light"/>
+            </a:endParaRPr>
           </a:p>
         </p:txBody>
       </p:sp>
@@ -5696,7 +7979,7 @@
           <p:cNvPr id="2" name="Content Placeholder 1">
             <a:extLst>
               <a:ext uri="{FF2B5EF4-FFF2-40B4-BE49-F238E27FC236}">
-                <a16:creationId xmlns:a16="http://schemas.microsoft.com/office/drawing/2014/main" id="{F7F0871F-2198-9E37-C96F-3611AA199B60}"/>
+                <a16:creationId xmlns:a16="http://schemas.microsoft.com/office/drawing/2014/main" id="{C4FFAF3C-BA60-9181-132C-C36C403AAEA7}"/>
               </a:ext>
             </a:extLst>
           </p:cNvPr>
@@ -5707,119 +7990,112 @@
             <p:ph idx="1"/>
           </p:nvPr>
         </p:nvSpPr>
-        <p:spPr/>
+        <p:spPr>
+          <a:xfrm>
+            <a:off x="581192" y="238770"/>
+            <a:ext cx="11029615" cy="4673324"/>
+          </a:xfrm>
+        </p:spPr>
         <p:txBody>
           <a:bodyPr/>
           <a:lstStyle/>
           <a:p>
             <a:pPr marL="305435" indent="-305435"/>
             <a:r>
-              <a:rPr lang="en-IN" sz="1400" dirty="0">
-                <a:ea typeface="+mn-lt"/>
-                <a:cs typeface="+mn-lt"/>
-              </a:rPr>
-              <a:t>In the Algorithm section, describe the machine learning algorithm chosen for predicting bike counts. Here's an example structure for this section:</a:t>
-            </a:r>
-            <a:endParaRPr lang="en-IN" sz="1400" dirty="0"/>
+              <a:rPr lang="en-IN" sz="2000" b="1" dirty="0">
+                <a:solidFill>
+                  <a:srgbClr val="29261B"/>
+                </a:solidFill>
+                <a:latin typeface="system-ui"/>
+              </a:rPr>
+              <a:t>System requirements:</a:t>
+            </a:r>
           </a:p>
           <a:p>
             <a:pPr marL="305435" indent="-305435"/>
             <a:r>
-              <a:rPr lang="en-IN" sz="1400" b="1" dirty="0">
-                <a:ea typeface="+mn-lt"/>
-                <a:cs typeface="+mn-lt"/>
-              </a:rPr>
-              <a:t>Algorithm Selection:</a:t>
-            </a:r>
-            <a:endParaRPr lang="en-IN" sz="1400" dirty="0"/>
-          </a:p>
-          <a:p>
-            <a:pPr marL="629920" lvl="1" indent="-305435"/>
-            <a:r>
-              <a:rPr lang="en-IN" dirty="0">
-                <a:ea typeface="+mn-lt"/>
-                <a:cs typeface="+mn-lt"/>
-              </a:rPr>
-              <a:t>Provide a brief overview of the chosen algorithm (e.g., time-series forecasting model, like ARIMA or LSTM) and justify its selection based on the problem statement and data characteristics.</a:t>
-            </a:r>
-            <a:endParaRPr lang="en-IN" dirty="0"/>
+              <a:rPr lang="en-US" sz="2000" b="1" i="0" dirty="0">
+                <a:solidFill>
+                  <a:srgbClr val="29261B"/>
+                </a:solidFill>
+                <a:effectLst/>
+                <a:latin typeface="system-ui"/>
+              </a:rPr>
+              <a:t>Python: The application is developed using Python, a popular and versatile programming language. Users need to have Python installed on their systems to run the application. </a:t>
+            </a:r>
+            <a:r>
+              <a:rPr lang="en-US" sz="2000" b="1" i="0" dirty="0">
+                <a:solidFill>
+                  <a:srgbClr val="29261B"/>
+                </a:solidFill>
+                <a:effectLst/>
+                <a:latin typeface="system-ui"/>
+                <a:hlinkClick r:id="rId2"/>
+              </a:rPr>
+              <a:t>https://www.python.org/downloads/</a:t>
+            </a:r>
+            <a:endParaRPr lang="en-US" sz="2000" b="1" i="0" dirty="0">
+              <a:solidFill>
+                <a:srgbClr val="29261B"/>
+              </a:solidFill>
+              <a:effectLst/>
+              <a:latin typeface="system-ui"/>
+            </a:endParaRPr>
           </a:p>
           <a:p>
             <a:pPr marL="305435" indent="-305435"/>
-            <a:r>
-              <a:rPr lang="en-IN" sz="1400" b="1" dirty="0">
-                <a:ea typeface="+mn-lt"/>
-                <a:cs typeface="+mn-lt"/>
-              </a:rPr>
-              <a:t>Data Input:</a:t>
-            </a:r>
-            <a:endParaRPr lang="en-IN" sz="1400" dirty="0"/>
-          </a:p>
-          <a:p>
-            <a:pPr marL="629920" lvl="1" indent="-305435"/>
-            <a:r>
-              <a:rPr lang="en-IN" dirty="0">
-                <a:ea typeface="+mn-lt"/>
-                <a:cs typeface="+mn-lt"/>
-              </a:rPr>
-              <a:t>Specify the input features used by the algorithm, such as historical bike rental data, weather conditions, day of the week, and any other relevant factors.</a:t>
-            </a:r>
-            <a:endParaRPr lang="en-IN" dirty="0"/>
-          </a:p>
-          <a:p>
-            <a:pPr marL="305435" indent="-305435"/>
-            <a:r>
-              <a:rPr lang="en-IN" sz="1400" b="1" dirty="0">
-                <a:ea typeface="+mn-lt"/>
-                <a:cs typeface="+mn-lt"/>
-              </a:rPr>
-              <a:t>Training Process:</a:t>
-            </a:r>
-            <a:endParaRPr lang="en-IN" sz="1400" dirty="0"/>
-          </a:p>
-          <a:p>
-            <a:pPr marL="629920" lvl="1" indent="-305435"/>
-            <a:r>
-              <a:rPr lang="en-IN" dirty="0">
-                <a:ea typeface="+mn-lt"/>
-                <a:cs typeface="+mn-lt"/>
-              </a:rPr>
-              <a:t>Explain how the algorithm is trained using historical data. Highlight any specific considerations or techniques employed, such as cross-validation or hyperparameter tuning.</a:t>
-            </a:r>
-            <a:endParaRPr lang="en-IN" dirty="0"/>
-          </a:p>
-          <a:p>
-            <a:pPr marL="305435" indent="-305435"/>
-            <a:r>
-              <a:rPr lang="en-IN" sz="1400" b="1" dirty="0">
-                <a:ea typeface="+mn-lt"/>
-                <a:cs typeface="+mn-lt"/>
-              </a:rPr>
-              <a:t>Prediction Process:</a:t>
-            </a:r>
-            <a:endParaRPr lang="en-IN" sz="1400" dirty="0"/>
-          </a:p>
-          <a:p>
-            <a:pPr marL="629920" lvl="1" indent="-305435"/>
-            <a:r>
-              <a:rPr lang="en-IN" dirty="0">
-                <a:ea typeface="+mn-lt"/>
-                <a:cs typeface="+mn-lt"/>
-              </a:rPr>
-              <a:t>Detail how the trained algorithm makes predictions for future bike counts. Discuss any real-time data inputs considered during the prediction phase.</a:t>
-            </a:r>
-            <a:endParaRPr lang="en-IN" dirty="0"/>
-          </a:p>
-          <a:p>
-            <a:pPr marL="305435" indent="-305435"/>
-            <a:endParaRPr lang="en-IN"/>
-          </a:p>
-        </p:txBody>
-      </p:sp>
+            <a:endParaRPr lang="en-IN" sz="1800" b="1" dirty="0">
+              <a:solidFill>
+                <a:srgbClr val="0F0F0F"/>
+              </a:solidFill>
+            </a:endParaRPr>
+          </a:p>
+          <a:p>
+            <a:pPr marL="0" indent="0">
+              <a:buNone/>
+            </a:pPr>
+            <a:endParaRPr lang="en-IN" sz="2000" b="1" dirty="0">
+              <a:solidFill>
+                <a:srgbClr val="29261B"/>
+              </a:solidFill>
+              <a:latin typeface="system-ui"/>
+            </a:endParaRPr>
+          </a:p>
+        </p:txBody>
+      </p:sp>
+      <p:pic>
+        <p:nvPicPr>
+          <p:cNvPr id="4" name="Picture 3">
+            <a:extLst>
+              <a:ext uri="{FF2B5EF4-FFF2-40B4-BE49-F238E27FC236}">
+                <a16:creationId xmlns:a16="http://schemas.microsoft.com/office/drawing/2014/main" id="{E02974FB-739B-9656-9977-2F1D4967BFFC}"/>
+              </a:ext>
+            </a:extLst>
+          </p:cNvPr>
+          <p:cNvPicPr>
+            <a:picLocks noChangeAspect="1"/>
+          </p:cNvPicPr>
+          <p:nvPr/>
+        </p:nvPicPr>
+        <p:blipFill rotWithShape="1">
+          <a:blip r:embed="rId3"/>
+          <a:srcRect t="17035" r="9752" b="13127"/>
+          <a:stretch/>
+        </p:blipFill>
+        <p:spPr>
+          <a:xfrm>
+            <a:off x="1003179" y="2881423"/>
+            <a:ext cx="8218761" cy="3642159"/>
+          </a:xfrm>
+          <a:prstGeom prst="rect">
+            <a:avLst/>
+          </a:prstGeom>
+        </p:spPr>
+      </p:pic>
     </p:spTree>
     <p:extLst>
       <p:ext uri="{BB962C8B-B14F-4D97-AF65-F5344CB8AC3E}">
-        <p14:creationId xmlns:p14="http://schemas.microsoft.com/office/powerpoint/2010/main" val="4154508776"/>
+        <p14:creationId xmlns:p14="http://schemas.microsoft.com/office/powerpoint/2010/main" val="2390935498"/>
       </p:ext>
     </p:extLst>
   </p:cSld>
@@ -5862,7 +8138,12 @@
             <p:ph type="title"/>
           </p:nvPr>
         </p:nvSpPr>
-        <p:spPr/>
+        <p:spPr>
+          <a:xfrm>
+            <a:off x="581192" y="662572"/>
+            <a:ext cx="11029616" cy="530296"/>
+          </a:xfrm>
+        </p:spPr>
         <p:txBody>
           <a:bodyPr>
             <a:normAutofit fontScale="90000"/>
@@ -5878,9 +8159,15 @@
                 <a:ea typeface="+mj-lt"/>
                 <a:cs typeface="Arial"/>
               </a:rPr>
-              <a:t>Result</a:t>
-            </a:r>
-            <a:endParaRPr lang="en-US"/>
+              <a:t>System  Approach</a:t>
+            </a:r>
+            <a:endParaRPr lang="en-US" sz="4400">
+              <a:solidFill>
+                <a:schemeClr val="accent1"/>
+              </a:solidFill>
+              <a:latin typeface="Calibri Light"/>
+              <a:cs typeface="Calibri Light"/>
+            </a:endParaRPr>
           </a:p>
         </p:txBody>
       </p:sp>
@@ -5889,7 +8176,7 @@
           <p:cNvPr id="2" name="Content Placeholder 1">
             <a:extLst>
               <a:ext uri="{FF2B5EF4-FFF2-40B4-BE49-F238E27FC236}">
-                <a16:creationId xmlns:a16="http://schemas.microsoft.com/office/drawing/2014/main" id="{D3304455-6802-6CA9-8475-2F6DD1B8D409}"/>
+                <a16:creationId xmlns:a16="http://schemas.microsoft.com/office/drawing/2014/main" id="{C4FFAF3C-BA60-9181-132C-C36C403AAEA7}"/>
               </a:ext>
             </a:extLst>
           </p:cNvPr>
@@ -5900,34 +8187,160 @@
             <p:ph idx="1"/>
           </p:nvPr>
         </p:nvSpPr>
-        <p:spPr/>
-        <p:txBody>
-          <a:bodyPr>
-            <a:normAutofit/>
-          </a:bodyPr>
+        <p:spPr>
+          <a:xfrm>
+            <a:off x="581192" y="170121"/>
+            <a:ext cx="11029615" cy="5805229"/>
+          </a:xfrm>
+        </p:spPr>
+        <p:txBody>
+          <a:bodyPr/>
           <a:lstStyle/>
           <a:p>
-            <a:pPr marL="0" indent="0">
-              <a:buNone/>
-            </a:pPr>
-            <a:r>
-              <a:rPr lang="en-IN" sz="2400" dirty="0">
-                <a:solidFill>
-                  <a:srgbClr val="0F0F0F"/>
-                </a:solidFill>
-                <a:ea typeface="+mn-lt"/>
-                <a:cs typeface="+mn-lt"/>
-              </a:rPr>
-              <a:t>Present the results of the machine learning model in terms of its accuracy and effectiveness in predicting bike counts. Include visualizations and comparisons between predicted and actual counts to highlight the model's performance.</a:t>
-            </a:r>
-            <a:endParaRPr lang="en-IN" sz="2400" dirty="0"/>
-          </a:p>
-        </p:txBody>
-      </p:sp>
+            <a:pPr marL="305435" indent="-305435"/>
+            <a:r>
+              <a:rPr lang="en-IN" sz="2000" b="1" dirty="0">
+                <a:solidFill>
+                  <a:srgbClr val="29261B"/>
+                </a:solidFill>
+                <a:latin typeface="system-ui"/>
+              </a:rPr>
+              <a:t>Library requirements to built this Steganography app:</a:t>
+            </a:r>
+          </a:p>
+          <a:p>
+            <a:pPr marL="305435" indent="-305435"/>
+            <a:r>
+              <a:rPr lang="en-US" sz="2000" b="1" i="0" dirty="0" err="1">
+                <a:solidFill>
+                  <a:srgbClr val="29261B"/>
+                </a:solidFill>
+                <a:effectLst/>
+                <a:latin typeface="system-ui"/>
+              </a:rPr>
+              <a:t>Tkinter</a:t>
+            </a:r>
+            <a:r>
+              <a:rPr lang="en-US" sz="2000" b="1" i="0" dirty="0">
+                <a:solidFill>
+                  <a:srgbClr val="29261B"/>
+                </a:solidFill>
+                <a:effectLst/>
+                <a:latin typeface="system-ui"/>
+              </a:rPr>
+              <a:t>: This is a standard Python library for building graphical user interfaces (GUIs). It provides a comprehensive set of widgets and tools for creating cross-platform desktop applications.</a:t>
+            </a:r>
+          </a:p>
+          <a:p>
+            <a:pPr marL="305435" indent="-305435"/>
+            <a:r>
+              <a:rPr lang="en-US" sz="2000" b="1" i="0" dirty="0">
+                <a:solidFill>
+                  <a:srgbClr val="29261B"/>
+                </a:solidFill>
+                <a:effectLst/>
+                <a:latin typeface="system-ui"/>
+              </a:rPr>
+              <a:t>pip install </a:t>
+            </a:r>
+            <a:r>
+              <a:rPr lang="en-US" sz="2000" b="1" i="0" dirty="0" err="1">
+                <a:solidFill>
+                  <a:srgbClr val="29261B"/>
+                </a:solidFill>
+                <a:effectLst/>
+                <a:latin typeface="system-ui"/>
+              </a:rPr>
+              <a:t>tk</a:t>
+            </a:r>
+            <a:r>
+              <a:rPr lang="en-US" sz="2000" b="1" i="0" dirty="0">
+                <a:solidFill>
+                  <a:srgbClr val="29261B"/>
+                </a:solidFill>
+                <a:effectLst/>
+                <a:latin typeface="system-ui"/>
+              </a:rPr>
+              <a:t> </a:t>
+            </a:r>
+          </a:p>
+          <a:p>
+            <a:pPr marL="305435" indent="-305435"/>
+            <a:r>
+              <a:rPr lang="en-US" sz="2000" b="1" dirty="0">
+                <a:solidFill>
+                  <a:srgbClr val="29261B"/>
+                </a:solidFill>
+                <a:latin typeface="system-ui"/>
+              </a:rPr>
+              <a:t>Pillow (PIL): The Python Imaging Library (PIL), also known as Pillow, is a library for image processing. It supports various image formats and provides functionality for opening, manipulating, and saving images, which is essential for the steganography application.</a:t>
+            </a:r>
+          </a:p>
+          <a:p>
+            <a:pPr marL="305435" indent="-305435"/>
+            <a:r>
+              <a:rPr lang="en-IN" sz="2000" b="1" dirty="0">
+                <a:solidFill>
+                  <a:srgbClr val="29261B"/>
+                </a:solidFill>
+                <a:latin typeface="system-ui"/>
+              </a:rPr>
+              <a:t>pip install pillow</a:t>
+            </a:r>
+          </a:p>
+        </p:txBody>
+      </p:sp>
+      <p:pic>
+        <p:nvPicPr>
+          <p:cNvPr id="1027" name="Picture 3" descr="PIP Install PIL/Pillow – A Helpful Illustrated Guide – Be on the Right Side  of Change">
+            <a:extLst>
+              <a:ext uri="{FF2B5EF4-FFF2-40B4-BE49-F238E27FC236}">
+                <a16:creationId xmlns:a16="http://schemas.microsoft.com/office/drawing/2014/main" id="{86A9F824-1658-6002-DDD5-D7557995EBEF}"/>
+              </a:ext>
+            </a:extLst>
+          </p:cNvPr>
+          <p:cNvPicPr>
+            <a:picLocks noChangeAspect="1" noChangeArrowheads="1"/>
+          </p:cNvPicPr>
+          <p:nvPr/>
+        </p:nvPicPr>
+        <p:blipFill>
+          <a:blip r:embed="rId2">
+            <a:extLst>
+              <a:ext uri="{28A0092B-C50C-407E-A947-70E740481C1C}">
+                <a14:useLocalDpi xmlns:a14="http://schemas.microsoft.com/office/drawing/2010/main" val="0"/>
+              </a:ext>
+            </a:extLst>
+          </a:blip>
+          <a:srcRect/>
+          <a:stretch>
+            <a:fillRect/>
+          </a:stretch>
+        </p:blipFill>
+        <p:spPr bwMode="auto">
+          <a:xfrm>
+            <a:off x="3795270" y="4239219"/>
+            <a:ext cx="4601460" cy="2228582"/>
+          </a:xfrm>
+          <a:prstGeom prst="rect">
+            <a:avLst/>
+          </a:prstGeom>
+          <a:noFill/>
+          <a:extLst>
+            <a:ext uri="{909E8E84-426E-40DD-AFC4-6F175D3DCCD1}">
+              <a14:hiddenFill xmlns:a14="http://schemas.microsoft.com/office/drawing/2010/main">
+                <a:solidFill>
+                  <a:srgbClr val="FFFFFF"/>
+                </a:solidFill>
+              </a14:hiddenFill>
+            </a:ext>
+          </a:extLst>
+        </p:spPr>
+      </p:pic>
     </p:spTree>
     <p:extLst>
       <p:ext uri="{BB962C8B-B14F-4D97-AF65-F5344CB8AC3E}">
-        <p14:creationId xmlns:p14="http://schemas.microsoft.com/office/powerpoint/2010/main" val="1483293388"/>
+        <p14:creationId xmlns:p14="http://schemas.microsoft.com/office/powerpoint/2010/main" val="3202024527"/>
       </p:ext>
     </p:extLst>
   </p:cSld>
@@ -5978,7 +8391,7 @@
           <a:lstStyle/>
           <a:p>
             <a:r>
-              <a:rPr lang="en-US" sz="4400" b="1">
+              <a:rPr lang="en-US" sz="4400" b="1" dirty="0">
                 <a:solidFill>
                   <a:schemeClr val="accent1"/>
                 </a:solidFill>
@@ -5986,9 +8399,9 @@
                 <a:ea typeface="+mj-lt"/>
                 <a:cs typeface="Arial"/>
               </a:rPr>
-              <a:t>Conclusion</a:t>
-            </a:r>
-            <a:endParaRPr lang="en-US"/>
+              <a:t>Algorithm &amp; Deployment</a:t>
+            </a:r>
+            <a:endParaRPr lang="en-US" dirty="0"/>
           </a:p>
         </p:txBody>
       </p:sp>
@@ -5997,7 +8410,7 @@
           <p:cNvPr id="2" name="Content Placeholder 1">
             <a:extLst>
               <a:ext uri="{FF2B5EF4-FFF2-40B4-BE49-F238E27FC236}">
-                <a16:creationId xmlns:a16="http://schemas.microsoft.com/office/drawing/2014/main" id="{005E46AB-32C4-4B57-A2B1-50738A64BE1B}"/>
+                <a16:creationId xmlns:a16="http://schemas.microsoft.com/office/drawing/2014/main" id="{F7F0871F-2198-9E37-C96F-3611AA199B60}"/>
               </a:ext>
             </a:extLst>
           </p:cNvPr>
@@ -6008,32 +8421,135 @@
             <p:ph idx="1"/>
           </p:nvPr>
         </p:nvSpPr>
-        <p:spPr/>
+        <p:spPr>
+          <a:xfrm>
+            <a:off x="581192" y="1621003"/>
+            <a:ext cx="11029615" cy="4673324"/>
+          </a:xfrm>
+        </p:spPr>
         <p:txBody>
           <a:bodyPr>
-            <a:normAutofit/>
+            <a:noAutofit/>
           </a:bodyPr>
           <a:lstStyle/>
           <a:p>
-            <a:pPr marL="305435" indent="-305435"/>
-            <a:r>
-              <a:rPr lang="en-IN" sz="2000" dirty="0">
-                <a:solidFill>
-                  <a:srgbClr val="0F0F0F"/>
-                </a:solidFill>
-                <a:ea typeface="+mn-lt"/>
-                <a:cs typeface="+mn-lt"/>
-              </a:rPr>
-              <a:t>Summarize the findings and discuss the effectiveness of the proposed solution. Highlight any challenges encountered during the implementation and potential improvements. Emphasize the importance of accurate bike count predictions for ensuring a stable supply of rental bikes in urban areas.</a:t>
-            </a:r>
-            <a:endParaRPr lang="en-IN" sz="2000" dirty="0"/>
+            <a:pPr marL="324485" lvl="1" indent="0">
+              <a:buNone/>
+            </a:pPr>
+            <a:r>
+              <a:rPr lang="en-US" sz="2000" b="1" dirty="0">
+                <a:latin typeface="system-ui"/>
+              </a:rPr>
+              <a:t>The provided code implements the steganography technique known as Least Significant Bit (LSB) encoding and decoding. The algorithm works as follows:</a:t>
+            </a:r>
+          </a:p>
+          <a:p>
+            <a:pPr marL="610235" lvl="1" indent="-285750"/>
+            <a:r>
+              <a:rPr lang="en-US" sz="2000" b="1" dirty="0">
+                <a:latin typeface="system-ui"/>
+              </a:rPr>
+              <a:t>Encoding Algorithm:</a:t>
+            </a:r>
+          </a:p>
+          <a:p>
+            <a:pPr marL="667385" lvl="1" indent="-342900">
+              <a:buFont typeface="+mj-lt"/>
+              <a:buAutoNum type="arabicPeriod"/>
+            </a:pPr>
+            <a:r>
+              <a:rPr lang="en-US" sz="2000" b="1" dirty="0">
+                <a:latin typeface="system-ui"/>
+              </a:rPr>
+              <a:t>The `</a:t>
+            </a:r>
+            <a:r>
+              <a:rPr lang="en-US" sz="2000" b="1" dirty="0" err="1">
+                <a:latin typeface="system-ui"/>
+              </a:rPr>
+              <a:t>encode_text</a:t>
+            </a:r>
+            <a:r>
+              <a:rPr lang="en-US" sz="2000" b="1" dirty="0">
+                <a:latin typeface="system-ui"/>
+              </a:rPr>
+              <a:t>` function takes an image object and a text message as input.</a:t>
+            </a:r>
+          </a:p>
+          <a:p>
+            <a:pPr marL="667385" lvl="1" indent="-342900">
+              <a:buFont typeface="+mj-lt"/>
+              <a:buAutoNum type="arabicPeriod"/>
+            </a:pPr>
+            <a:r>
+              <a:rPr lang="en-US" sz="2000" b="1" dirty="0">
+                <a:latin typeface="system-ui"/>
+              </a:rPr>
+              <a:t>The text message is converted into a binary string using the ASCII values of each character.</a:t>
+            </a:r>
+          </a:p>
+          <a:p>
+            <a:pPr marL="667385" lvl="1" indent="-342900">
+              <a:buFont typeface="+mj-lt"/>
+              <a:buAutoNum type="arabicPeriod"/>
+            </a:pPr>
+            <a:r>
+              <a:rPr lang="en-US" sz="2000" b="1" dirty="0">
+                <a:latin typeface="system-ui"/>
+              </a:rPr>
+              <a:t>The binary string is then encoded into the least significant bits (LSBs) of the RGB pixel values of the image.</a:t>
+            </a:r>
+          </a:p>
+          <a:p>
+            <a:pPr marL="667385" lvl="1" indent="-342900">
+              <a:buFont typeface="+mj-lt"/>
+              <a:buAutoNum type="arabicPeriod"/>
+            </a:pPr>
+            <a:r>
+              <a:rPr lang="en-US" sz="2000" b="1" dirty="0">
+                <a:latin typeface="system-ui"/>
+              </a:rPr>
+              <a:t>The function iterates over each pixel of the image and encodes the binary data into the LSBs of the red, green, and blue channels.</a:t>
+            </a:r>
+          </a:p>
+          <a:p>
+            <a:pPr marL="667385" lvl="1" indent="-342900">
+              <a:buFont typeface="+mj-lt"/>
+              <a:buAutoNum type="arabicPeriod"/>
+            </a:pPr>
+            <a:r>
+              <a:rPr lang="en-US" sz="2000" b="1" dirty="0">
+                <a:latin typeface="system-ui"/>
+              </a:rPr>
+              <a:t>A new image object is created with the encoded message embedded within the pixel data.</a:t>
+            </a:r>
+          </a:p>
+          <a:p>
+            <a:pPr marL="667385" lvl="1" indent="-342900">
+              <a:buFont typeface="+mj-lt"/>
+              <a:buAutoNum type="arabicPeriod"/>
+            </a:pPr>
+            <a:r>
+              <a:rPr lang="en-US" sz="2000" b="1" dirty="0">
+                <a:latin typeface="system-ui"/>
+              </a:rPr>
+              <a:t>The function returns the encoded image object.</a:t>
+            </a:r>
+          </a:p>
+          <a:p>
+            <a:pPr marL="324485" lvl="1" indent="0">
+              <a:buNone/>
+            </a:pPr>
+            <a:endParaRPr lang="en-US" sz="1600" b="1" dirty="0">
+              <a:latin typeface="system-ui"/>
+            </a:endParaRPr>
           </a:p>
         </p:txBody>
       </p:sp>
     </p:spTree>
     <p:extLst>
       <p:ext uri="{BB962C8B-B14F-4D97-AF65-F5344CB8AC3E}">
-        <p14:creationId xmlns:p14="http://schemas.microsoft.com/office/powerpoint/2010/main" val="3183315129"/>
+        <p14:creationId xmlns:p14="http://schemas.microsoft.com/office/powerpoint/2010/main" val="4154508776"/>
       </p:ext>
     </p:extLst>
   </p:cSld>
@@ -6062,10 +8578,10 @@
       </p:grpSpPr>
       <p:sp>
         <p:nvSpPr>
-          <p:cNvPr id="3" name="Content Placeholder 2">
+          <p:cNvPr id="5" name="Title 4">
             <a:extLst>
               <a:ext uri="{FF2B5EF4-FFF2-40B4-BE49-F238E27FC236}">
-                <a16:creationId xmlns:a16="http://schemas.microsoft.com/office/drawing/2014/main" id="{A6638FD1-D00E-E75B-705C-564F06D93D7B}"/>
+                <a16:creationId xmlns:a16="http://schemas.microsoft.com/office/drawing/2014/main" id="{8FBA75B4-2DD5-42EB-9397-F36BFB8BA723}"/>
               </a:ext>
             </a:extLst>
           </p:cNvPr>
@@ -6073,151 +8589,146 @@
             <a:spLocks noGrp="1"/>
           </p:cNvSpPr>
           <p:nvPr>
-            <p:ph idx="1"/>
+            <p:ph type="title"/>
           </p:nvPr>
         </p:nvSpPr>
         <p:spPr/>
         <p:txBody>
-          <a:bodyPr/>
+          <a:bodyPr>
+            <a:normAutofit fontScale="90000"/>
+          </a:bodyPr>
           <a:lstStyle/>
           <a:p>
-            <a:pPr marL="0" indent="0">
-              <a:buNone/>
-            </a:pPr>
-            <a:endParaRPr lang="en-US" sz="2000" b="1" dirty="0"/>
-          </a:p>
-          <a:p>
-            <a:pPr marL="305435" indent="-305435"/>
-            <a:r>
-              <a:rPr lang="en-US" sz="2000" dirty="0">
-                <a:ea typeface="+mn-lt"/>
-                <a:cs typeface="+mn-lt"/>
-              </a:rPr>
-              <a:t>Discuss potential enhancements and expansions for the system. This could include incorporating additional data sources, optimizing the algorithm for better performance, and expanding the system to cover multiple cities or regions. Consider the integration of emerging technologies such as edge computing or advanced machine learning techniques.</a:t>
-            </a:r>
-            <a:endParaRPr lang="en-US" sz="2000" dirty="0"/>
-          </a:p>
-          <a:p>
-            <a:pPr marL="305435" indent="-305435"/>
-            <a:endParaRPr lang="en-US"/>
-          </a:p>
-        </p:txBody>
-      </p:sp>
-      <p:sp>
-        <p:nvSpPr>
-          <p:cNvPr id="5" name="Title 4">
+            <a:r>
+              <a:rPr lang="en-US" sz="4400" b="1" dirty="0">
+                <a:solidFill>
+                  <a:schemeClr val="accent1"/>
+                </a:solidFill>
+                <a:latin typeface="Arial"/>
+                <a:ea typeface="+mj-lt"/>
+                <a:cs typeface="Arial"/>
+              </a:rPr>
+              <a:t>Algorithm &amp; Deployment</a:t>
+            </a:r>
+            <a:endParaRPr lang="en-US" dirty="0"/>
+          </a:p>
+        </p:txBody>
+      </p:sp>
+      <p:sp>
+        <p:nvSpPr>
+          <p:cNvPr id="2" name="Content Placeholder 1">
             <a:extLst>
               <a:ext uri="{FF2B5EF4-FFF2-40B4-BE49-F238E27FC236}">
-                <a16:creationId xmlns:a16="http://schemas.microsoft.com/office/drawing/2014/main" id="{3F968F13-9AC4-7120-7ACD-9F752C767D5D}"/>
+                <a16:creationId xmlns:a16="http://schemas.microsoft.com/office/drawing/2014/main" id="{F7F0871F-2198-9E37-C96F-3611AA199B60}"/>
               </a:ext>
             </a:extLst>
           </p:cNvPr>
-          <p:cNvSpPr txBox="1">
-            <a:spLocks/>
-          </p:cNvSpPr>
-          <p:nvPr/>
+          <p:cNvSpPr>
+            <a:spLocks noGrp="1"/>
+          </p:cNvSpPr>
+          <p:nvPr>
+            <p:ph idx="1"/>
+          </p:nvPr>
         </p:nvSpPr>
         <p:spPr>
           <a:xfrm>
-            <a:off x="535670" y="844659"/>
-            <a:ext cx="11029616" cy="530296"/>
+            <a:off x="581192" y="1482520"/>
+            <a:ext cx="11029615" cy="4673324"/>
           </a:xfrm>
-          <a:prstGeom prst="rect">
-            <a:avLst/>
-          </a:prstGeom>
         </p:spPr>
         <p:txBody>
-          <a:bodyPr vert="horz" lIns="91440" tIns="45720" rIns="91440" bIns="45720" rtlCol="0" anchor="b">
-            <a:normAutofit fontScale="75000" lnSpcReduction="20000"/>
+          <a:bodyPr>
+            <a:noAutofit/>
           </a:bodyPr>
-          <a:lstStyle>
-            <a:lvl1pPr algn="l" defTabSz="457200" rtl="0" eaLnBrk="1" latinLnBrk="0" hangingPunct="1">
-              <a:lnSpc>
-                <a:spcPct val="100000"/>
-              </a:lnSpc>
-              <a:spcBef>
-                <a:spcPct val="0"/>
-              </a:spcBef>
-              <a:buNone/>
-              <a:defRPr sz="2800" b="0" kern="1200" cap="all">
-                <a:solidFill>
-                  <a:schemeClr val="tx1">
-                    <a:lumMod val="75000"/>
-                    <a:lumOff val="25000"/>
-                  </a:schemeClr>
-                </a:solidFill>
-                <a:latin typeface="+mj-lt"/>
-                <a:ea typeface="+mj-ea"/>
-                <a:cs typeface="+mj-cs"/>
-              </a:defRPr>
-            </a:lvl1pPr>
-            <a:lvl2pPr eaLnBrk="1" hangingPunct="1">
-              <a:defRPr>
-                <a:solidFill>
-                  <a:schemeClr val="tx2"/>
-                </a:solidFill>
-              </a:defRPr>
-            </a:lvl2pPr>
-            <a:lvl3pPr eaLnBrk="1" hangingPunct="1">
-              <a:defRPr>
-                <a:solidFill>
-                  <a:schemeClr val="tx2"/>
-                </a:solidFill>
-              </a:defRPr>
-            </a:lvl3pPr>
-            <a:lvl4pPr eaLnBrk="1" hangingPunct="1">
-              <a:defRPr>
-                <a:solidFill>
-                  <a:schemeClr val="tx2"/>
-                </a:solidFill>
-              </a:defRPr>
-            </a:lvl4pPr>
-            <a:lvl5pPr eaLnBrk="1" hangingPunct="1">
-              <a:defRPr>
-                <a:solidFill>
-                  <a:schemeClr val="tx2"/>
-                </a:solidFill>
-              </a:defRPr>
-            </a:lvl5pPr>
-            <a:lvl6pPr eaLnBrk="1" hangingPunct="1">
-              <a:defRPr>
-                <a:solidFill>
-                  <a:schemeClr val="tx2"/>
-                </a:solidFill>
-              </a:defRPr>
-            </a:lvl6pPr>
-            <a:lvl7pPr eaLnBrk="1" hangingPunct="1">
-              <a:defRPr>
-                <a:solidFill>
-                  <a:schemeClr val="tx2"/>
-                </a:solidFill>
-              </a:defRPr>
-            </a:lvl7pPr>
-            <a:lvl8pPr eaLnBrk="1" hangingPunct="1">
-              <a:defRPr>
-                <a:solidFill>
-                  <a:schemeClr val="tx2"/>
-                </a:solidFill>
-              </a:defRPr>
-            </a:lvl8pPr>
-            <a:lvl9pPr eaLnBrk="1" hangingPunct="1">
-              <a:defRPr>
-                <a:solidFill>
-                  <a:schemeClr val="tx2"/>
-                </a:solidFill>
-              </a:defRPr>
-            </a:lvl9pPr>
-          </a:lstStyle>
-          <a:p>
-            <a:r>
-              <a:rPr lang="en-US" sz="4400" b="1" dirty="0">
-                <a:solidFill>
-                  <a:schemeClr val="accent1"/>
-                </a:solidFill>
-                <a:latin typeface="Arial"/>
-                <a:cs typeface="Arial"/>
-              </a:rPr>
-              <a:t>Future scope</a:t>
+          <a:lstStyle/>
+          <a:p>
+            <a:pPr marL="610235" lvl="1" indent="-285750"/>
+            <a:r>
+              <a:rPr lang="en-US" sz="2000" b="1" dirty="0">
+                <a:latin typeface="system-ui"/>
+              </a:rPr>
+              <a:t>Decoding Algorithm:</a:t>
+            </a:r>
+          </a:p>
+          <a:p>
+            <a:pPr marL="667385" lvl="1" indent="-342900">
+              <a:buFont typeface="+mj-lt"/>
+              <a:buAutoNum type="arabicPeriod"/>
+            </a:pPr>
+            <a:r>
+              <a:rPr lang="en-US" sz="2000" b="1" dirty="0">
+                <a:latin typeface="system-ui"/>
+              </a:rPr>
+              <a:t>The </a:t>
+            </a:r>
+            <a:r>
+              <a:rPr lang="en-US" sz="2000" b="1" dirty="0" err="1">
+                <a:latin typeface="system-ui"/>
+              </a:rPr>
+              <a:t>decode_text</a:t>
+            </a:r>
+            <a:r>
+              <a:rPr lang="en-US" sz="2000" b="1" dirty="0">
+                <a:latin typeface="system-ui"/>
+              </a:rPr>
+              <a:t> function takes an encoded image object as input.</a:t>
+            </a:r>
+          </a:p>
+          <a:p>
+            <a:pPr marL="667385" lvl="1" indent="-342900">
+              <a:buFont typeface="+mj-lt"/>
+              <a:buAutoNum type="arabicPeriod"/>
+            </a:pPr>
+            <a:r>
+              <a:rPr lang="en-US" sz="2000" b="1" dirty="0">
+                <a:latin typeface="system-ui"/>
+              </a:rPr>
+              <a:t>The function iterates over each pixel of the image and extracts the LSBs from the red, green, and blue channels, reconstructing the binary data.</a:t>
+            </a:r>
+          </a:p>
+          <a:p>
+            <a:pPr marL="667385" lvl="1" indent="-342900">
+              <a:buFont typeface="+mj-lt"/>
+              <a:buAutoNum type="arabicPeriod"/>
+            </a:pPr>
+            <a:r>
+              <a:rPr lang="en-US" sz="2000" b="1" dirty="0">
+                <a:latin typeface="system-ui"/>
+              </a:rPr>
+              <a:t>The binary data is then converted back into a text string using ASCII values.</a:t>
+            </a:r>
+          </a:p>
+          <a:p>
+            <a:pPr marL="667385" lvl="1" indent="-342900">
+              <a:buFont typeface="+mj-lt"/>
+              <a:buAutoNum type="arabicPeriod"/>
+            </a:pPr>
+            <a:r>
+              <a:rPr lang="en-US" sz="2000" b="1" dirty="0">
+                <a:latin typeface="system-ui"/>
+              </a:rPr>
+              <a:t>The function returns the decoded text message.</a:t>
+            </a:r>
+          </a:p>
+          <a:p>
+            <a:pPr marL="667385" lvl="1" indent="-342900">
+              <a:buFont typeface="+mj-lt"/>
+              <a:buAutoNum type="arabicPeriod"/>
+            </a:pPr>
+            <a:r>
+              <a:rPr lang="en-US" sz="2000" b="1" dirty="0">
+                <a:latin typeface="system-ui"/>
+              </a:rPr>
+              <a:t>The algorithm leverages the fact that the human eye is less sensitive to changes in the least significant bits of pixel values. By modifying the LSBs, the algorithm can embed secret data within the image without significantly altering its visual appearance.</a:t>
+            </a:r>
+          </a:p>
+          <a:p>
+            <a:pPr marL="667385" lvl="1" indent="-342900"/>
+            <a:r>
+              <a:rPr lang="en-US" sz="2000" b="1" dirty="0">
+                <a:latin typeface="system-ui"/>
+              </a:rPr>
+              <a:t>It's important to note that the LSB encoding technique has limitations in terms of the amount of data that can be embedded within an image before visual distortions become noticeable. Additionally, the encoded data is not encrypted, which means that anyone with knowledge of the steganography technique can potentially decode the hidden message.</a:t>
             </a:r>
           </a:p>
         </p:txBody>
@@ -6225,7 +8736,7 @@
     </p:spTree>
     <p:extLst>
       <p:ext uri="{BB962C8B-B14F-4D97-AF65-F5344CB8AC3E}">
-        <p14:creationId xmlns:p14="http://schemas.microsoft.com/office/powerpoint/2010/main" val="614882681"/>
+        <p14:creationId xmlns:p14="http://schemas.microsoft.com/office/powerpoint/2010/main" val="3425437181"/>
       </p:ext>
     </p:extLst>
   </p:cSld>
@@ -6800,24 +9311,6 @@
 </file>
 
 <file path=customXml/item1.xml><?xml version="1.0" encoding="utf-8"?>
-<p:properties xmlns:p="http://schemas.microsoft.com/office/2006/metadata/properties" xmlns:xsi="http://www.w3.org/2001/XMLSchema-instance" xmlns:pc="http://schemas.microsoft.com/office/infopath/2007/PartnerControls">
-  <documentManagement>
-    <MediaServiceKeyPoints xmlns="9162bd5b-4ed9-4da3-b376-05204580ba3f" xsi:nil="true"/>
-    <_activity xmlns="9162bd5b-4ed9-4da3-b376-05204580ba3f" xsi:nil="true"/>
-  </documentManagement>
-</p:properties>
-</file>
-
-<file path=customXml/item2.xml><?xml version="1.0" encoding="utf-8"?>
-<?mso-contentType ?>
-<FormTemplates xmlns="http://schemas.microsoft.com/sharepoint/v3/contenttype/forms">
-  <Display>DocumentLibraryForm</Display>
-  <Edit>DocumentLibraryForm</Edit>
-  <New>DocumentLibraryForm</New>
-</FormTemplates>
-</file>
-
-<file path=customXml/item3.xml><?xml version="1.0" encoding="utf-8"?>
 <ct:contentTypeSchema xmlns:ct="http://schemas.microsoft.com/office/2006/metadata/contentType" xmlns:ma="http://schemas.microsoft.com/office/2006/metadata/properties/metaAttributes" ct:_="" ma:_="" ma:contentTypeName="Document" ma:contentTypeID="0x0101000F1872188ABCFC48BECA6C87E8AC3285" ma:contentTypeVersion="17" ma:contentTypeDescription="Create a new document." ma:contentTypeScope="" ma:versionID="55a158675e089c6a85ab0f83b89e1a15">
   <xsd:schema xmlns:xsd="http://www.w3.org/2001/XMLSchema" xmlns:xs="http://www.w3.org/2001/XMLSchema" xmlns:p="http://schemas.microsoft.com/office/2006/metadata/properties" xmlns:ns3="9162bd5b-4ed9-4da3-b376-05204580ba3f" xmlns:ns4="c0fa2617-96bd-425d-8578-e93563fe37c5" targetNamespace="http://schemas.microsoft.com/office/2006/metadata/properties" ma:root="true" ma:fieldsID="b35f082308864fa161c4a0a9eca35eff" ns3:_="" ns4:_="">
     <xsd:import namespace="9162bd5b-4ed9-4da3-b376-05204580ba3f"/>
@@ -7064,32 +9557,25 @@
 </ct:contentTypeSchema>
 </file>
 
-<file path=customXml/itemProps1.xml><?xml version="1.0" encoding="utf-8"?>
-<ds:datastoreItem xmlns:ds="http://schemas.openxmlformats.org/officeDocument/2006/customXml" ds:itemID="{8D289AE2-D2AE-49D1-AFAC-3A79F6794255}">
-  <ds:schemaRefs>
-    <ds:schemaRef ds:uri="9162bd5b-4ed9-4da3-b376-05204580ba3f"/>
-    <ds:schemaRef ds:uri="c0fa2617-96bd-425d-8578-e93563fe37c5"/>
-    <ds:schemaRef ds:uri="http://purl.org/dc/dcmitype/"/>
-    <ds:schemaRef ds:uri="http://purl.org/dc/elements/1.1/"/>
-    <ds:schemaRef ds:uri="http://purl.org/dc/terms/"/>
-    <ds:schemaRef ds:uri="http://schemas.microsoft.com/office/2006/documentManagement/types"/>
-    <ds:schemaRef ds:uri="http://schemas.microsoft.com/office/2006/metadata/properties"/>
-    <ds:schemaRef ds:uri="http://schemas.microsoft.com/office/infopath/2007/PartnerControls"/>
-    <ds:schemaRef ds:uri="http://schemas.openxmlformats.org/package/2006/metadata/core-properties"/>
-    <ds:schemaRef ds:uri="http://www.w3.org/XML/1998/namespace"/>
-  </ds:schemaRefs>
-</ds:datastoreItem>
+<file path=customXml/item2.xml><?xml version="1.0" encoding="utf-8"?>
+<?mso-contentType ?>
+<FormTemplates xmlns="http://schemas.microsoft.com/sharepoint/v3/contenttype/forms">
+  <Display>DocumentLibraryForm</Display>
+  <Edit>DocumentLibraryForm</Edit>
+  <New>DocumentLibraryForm</New>
+</FormTemplates>
 </file>
 
-<file path=customXml/itemProps2.xml><?xml version="1.0" encoding="utf-8"?>
-<ds:datastoreItem xmlns:ds="http://schemas.openxmlformats.org/officeDocument/2006/customXml" ds:itemID="{927BD4C1-B6B1-4715-ABF9-E660A51A4EA0}">
-  <ds:schemaRefs>
-    <ds:schemaRef ds:uri="http://schemas.microsoft.com/sharepoint/v3/contenttype/forms"/>
-  </ds:schemaRefs>
-</ds:datastoreItem>
+<file path=customXml/item3.xml><?xml version="1.0" encoding="utf-8"?>
+<p:properties xmlns:p="http://schemas.microsoft.com/office/2006/metadata/properties" xmlns:xsi="http://www.w3.org/2001/XMLSchema-instance" xmlns:pc="http://schemas.microsoft.com/office/infopath/2007/PartnerControls">
+  <documentManagement>
+    <MediaServiceKeyPoints xmlns="9162bd5b-4ed9-4da3-b376-05204580ba3f" xsi:nil="true"/>
+    <_activity xmlns="9162bd5b-4ed9-4da3-b376-05204580ba3f" xsi:nil="true"/>
+  </documentManagement>
+</p:properties>
 </file>
 
-<file path=customXml/itemProps3.xml><?xml version="1.0" encoding="utf-8"?>
+<file path=customXml/itemProps1.xml><?xml version="1.0" encoding="utf-8"?>
 <ds:datastoreItem xmlns:ds="http://schemas.openxmlformats.org/officeDocument/2006/customXml" ds:itemID="{6E816721-11E4-4989-8472-AB5A7EC20404}">
   <ds:schemaRefs>
     <ds:schemaRef ds:uri="9162bd5b-4ed9-4da3-b376-05204580ba3f"/>
@@ -7106,4 +9592,29 @@
     <ds:schemaRef ds:uri="http://www.w3.org/2001/XMLSchema"/>
   </ds:schemaRefs>
 </ds:datastoreItem>
+</file>
+
+<file path=customXml/itemProps2.xml><?xml version="1.0" encoding="utf-8"?>
+<ds:datastoreItem xmlns:ds="http://schemas.openxmlformats.org/officeDocument/2006/customXml" ds:itemID="{927BD4C1-B6B1-4715-ABF9-E660A51A4EA0}">
+  <ds:schemaRefs>
+    <ds:schemaRef ds:uri="http://schemas.microsoft.com/sharepoint/v3/contenttype/forms"/>
+  </ds:schemaRefs>
+</ds:datastoreItem>
+</file>
+
+<file path=customXml/itemProps3.xml><?xml version="1.0" encoding="utf-8"?>
+<ds:datastoreItem xmlns:ds="http://schemas.openxmlformats.org/officeDocument/2006/customXml" ds:itemID="{8D289AE2-D2AE-49D1-AFAC-3A79F6794255}">
+  <ds:schemaRefs>
+    <ds:schemaRef ds:uri="9162bd5b-4ed9-4da3-b376-05204580ba3f"/>
+    <ds:schemaRef ds:uri="c0fa2617-96bd-425d-8578-e93563fe37c5"/>
+    <ds:schemaRef ds:uri="http://purl.org/dc/dcmitype/"/>
+    <ds:schemaRef ds:uri="http://purl.org/dc/elements/1.1/"/>
+    <ds:schemaRef ds:uri="http://purl.org/dc/terms/"/>
+    <ds:schemaRef ds:uri="http://schemas.microsoft.com/office/2006/documentManagement/types"/>
+    <ds:schemaRef ds:uri="http://schemas.microsoft.com/office/2006/metadata/properties"/>
+    <ds:schemaRef ds:uri="http://schemas.microsoft.com/office/infopath/2007/PartnerControls"/>
+    <ds:schemaRef ds:uri="http://schemas.openxmlformats.org/package/2006/metadata/core-properties"/>
+    <ds:schemaRef ds:uri="http://www.w3.org/XML/1998/namespace"/>
+  </ds:schemaRefs>
+</ds:datastoreItem>
 </file>